--- a/VIDEO TO AUDIO CONVERTER.pptx
+++ b/VIDEO TO AUDIO CONVERTER.pptx
@@ -11,9 +11,18 @@
     <p:sldId id="260" r:id="rId5"/>
     <p:sldId id="261" r:id="rId6"/>
     <p:sldId id="262" r:id="rId7"/>
-    <p:sldId id="263" r:id="rId8"/>
-    <p:sldId id="264" r:id="rId9"/>
-    <p:sldId id="266" r:id="rId10"/>
+    <p:sldId id="267" r:id="rId8"/>
+    <p:sldId id="268" r:id="rId9"/>
+    <p:sldId id="269" r:id="rId10"/>
+    <p:sldId id="270" r:id="rId11"/>
+    <p:sldId id="271" r:id="rId12"/>
+    <p:sldId id="272" r:id="rId13"/>
+    <p:sldId id="273" r:id="rId14"/>
+    <p:sldId id="274" r:id="rId15"/>
+    <p:sldId id="275" r:id="rId16"/>
+    <p:sldId id="263" r:id="rId17"/>
+    <p:sldId id="264" r:id="rId18"/>
+    <p:sldId id="266" r:id="rId19"/>
   </p:sldIdLst>
   <p:sldSz cx="12192000" cy="6858000"/>
   <p:notesSz cx="6858000" cy="9144000"/>
@@ -118,35 +127,6 @@
     </p:ext>
   </p:extLst>
 </p:presentation>
-</file>
-
-<file path=ppt/changesInfos/changesInfo1.xml><?xml version="1.0" encoding="utf-8"?>
-<pc:chgInfo xmlns:a="http://schemas.openxmlformats.org/drawingml/2006/main" xmlns:r="http://schemas.openxmlformats.org/officeDocument/2006/relationships" xmlns:ac="http://schemas.microsoft.com/office/drawing/2013/main/command" xmlns:pc="http://schemas.microsoft.com/office/powerpoint/2013/main/command">
-  <pc:docChgLst>
-    <pc:chgData name="vivekvardhanreddy1207@outlook.com" userId="2479389ccf14a5a5" providerId="LiveId" clId="{601FDF76-32E2-49E8-8B34-EDAE31CFDAC8}"/>
-    <pc:docChg chg="modSld">
-      <pc:chgData name="vivekvardhanreddy1207@outlook.com" userId="2479389ccf14a5a5" providerId="LiveId" clId="{601FDF76-32E2-49E8-8B34-EDAE31CFDAC8}" dt="2022-01-31T08:30:38.905" v="1" actId="20577"/>
-      <pc:docMkLst>
-        <pc:docMk/>
-      </pc:docMkLst>
-      <pc:sldChg chg="modSp mod">
-        <pc:chgData name="vivekvardhanreddy1207@outlook.com" userId="2479389ccf14a5a5" providerId="LiveId" clId="{601FDF76-32E2-49E8-8B34-EDAE31CFDAC8}" dt="2022-01-31T08:30:38.905" v="1" actId="20577"/>
-        <pc:sldMkLst>
-          <pc:docMk/>
-          <pc:sldMk cId="1112848351" sldId="256"/>
-        </pc:sldMkLst>
-        <pc:spChg chg="mod">
-          <ac:chgData name="vivekvardhanreddy1207@outlook.com" userId="2479389ccf14a5a5" providerId="LiveId" clId="{601FDF76-32E2-49E8-8B34-EDAE31CFDAC8}" dt="2022-01-31T08:30:38.905" v="1" actId="20577"/>
-          <ac:spMkLst>
-            <pc:docMk/>
-            <pc:sldMk cId="1112848351" sldId="256"/>
-            <ac:spMk id="3" creationId="{17FEAE0B-C3F9-4C1F-A156-F26FF3E922F1}"/>
-          </ac:spMkLst>
-        </pc:spChg>
-      </pc:sldChg>
-    </pc:docChg>
-  </pc:docChgLst>
-</pc:chgInfo>
 </file>
 
 <file path=ppt/slideLayouts/slideLayout1.xml><?xml version="1.0" encoding="utf-8"?>
@@ -611,7 +591,7 @@
           <a:p>
             <a:fld id="{DDA51639-B2D6-4652-B8C3-1B4C224A7BAF}" type="datetimeFigureOut">
               <a:rPr lang="en-US" dirty="0"/>
-              <a:t>1/31/2022</a:t>
+              <a:t>3/3/2022</a:t>
             </a:fld>
             <a:endParaRPr lang="en-US" dirty="0"/>
           </a:p>
@@ -809,7 +789,7 @@
           <a:p>
             <a:fld id="{D11A6AA8-A04B-4104-9AE2-BD48D340E27F}" type="datetimeFigureOut">
               <a:rPr lang="en-US" dirty="0"/>
-              <a:t>1/31/2022</a:t>
+              <a:t>3/3/2022</a:t>
             </a:fld>
             <a:endParaRPr lang="en-US" dirty="0"/>
           </a:p>
@@ -984,7 +964,7 @@
           <a:p>
             <a:fld id="{B4E0BF79-FAC6-4A96-8DE1-F7B82E2E1652}" type="datetimeFigureOut">
               <a:rPr lang="en-US" dirty="0"/>
-              <a:t>1/31/2022</a:t>
+              <a:t>3/3/2022</a:t>
             </a:fld>
             <a:endParaRPr lang="en-US" dirty="0"/>
           </a:p>
@@ -1149,7 +1129,7 @@
           <a:p>
             <a:fld id="{82FF5DD9-2C52-442D-92E2-8072C0C3D7CD}" type="datetimeFigureOut">
               <a:rPr lang="en-US" dirty="0"/>
-              <a:t>1/31/2022</a:t>
+              <a:t>3/3/2022</a:t>
             </a:fld>
             <a:endParaRPr lang="en-US" dirty="0"/>
           </a:p>
@@ -1716,7 +1696,7 @@
           <a:p>
             <a:fld id="{C44961B7-6B89-48AB-966F-622E2788EECC}" type="datetimeFigureOut">
               <a:rPr lang="en-US" dirty="0"/>
-              <a:t>1/31/2022</a:t>
+              <a:t>3/3/2022</a:t>
             </a:fld>
             <a:endParaRPr lang="en-US" dirty="0"/>
           </a:p>
@@ -2013,7 +1993,7 @@
           <a:p>
             <a:fld id="{DBD3D6FB-79CC-4683-A046-BBE785BA1BED}" type="datetimeFigureOut">
               <a:rPr lang="en-US" dirty="0"/>
-              <a:t>1/31/2022</a:t>
+              <a:t>3/3/2022</a:t>
             </a:fld>
             <a:endParaRPr lang="en-US" dirty="0"/>
           </a:p>
@@ -2445,7 +2425,7 @@
           <a:p>
             <a:fld id="{9512B3E8-48F1-4B23-8498-D8A04A81EC9C}" type="datetimeFigureOut">
               <a:rPr lang="en-US" dirty="0"/>
-              <a:t>1/31/2022</a:t>
+              <a:t>3/3/2022</a:t>
             </a:fld>
             <a:endParaRPr lang="en-US" dirty="0"/>
           </a:p>
@@ -2558,7 +2538,7 @@
           <a:p>
             <a:fld id="{10B90D90-AA62-404D-A741-635B4370F9CB}" type="datetimeFigureOut">
               <a:rPr lang="en-US" dirty="0"/>
-              <a:t>1/31/2022</a:t>
+              <a:t>3/3/2022</a:t>
             </a:fld>
             <a:endParaRPr lang="en-US" dirty="0"/>
           </a:p>
@@ -2648,7 +2628,7 @@
           <a:p>
             <a:fld id="{A57002E4-6836-46D1-9DBB-3C27C0DD3A89}" type="datetimeFigureOut">
               <a:rPr lang="en-US" dirty="0"/>
-              <a:t>1/31/2022</a:t>
+              <a:t>3/3/2022</a:t>
             </a:fld>
             <a:endParaRPr lang="en-US" dirty="0"/>
           </a:p>
@@ -3025,7 +3005,7 @@
           <a:p>
             <a:fld id="{1CF131DD-A141-4471-BCF9-C6073EDD7E20}" type="datetimeFigureOut">
               <a:rPr lang="en-US" dirty="0"/>
-              <a:t>1/31/2022</a:t>
+              <a:t>3/3/2022</a:t>
             </a:fld>
             <a:endParaRPr lang="en-US" dirty="0"/>
           </a:p>
@@ -3415,7 +3395,7 @@
           <a:p>
             <a:fld id="{AB334A90-EB03-42F3-8859-2C2B2724C058}" type="datetimeFigureOut">
               <a:rPr lang="en-US" dirty="0"/>
-              <a:t>1/31/2022</a:t>
+              <a:t>3/3/2022</a:t>
             </a:fld>
             <a:endParaRPr lang="en-US" dirty="0"/>
           </a:p>
@@ -3724,7 +3704,7 @@
           <a:p>
             <a:fld id="{CBC48EC7-AF6A-48D3-8284-14BACBEBDD84}" type="datetimeFigureOut">
               <a:rPr lang="en-US" dirty="0"/>
-              <a:t>1/31/2022</a:t>
+              <a:t>3/3/2022</a:t>
             </a:fld>
             <a:endParaRPr lang="en-US" dirty="0"/>
           </a:p>
@@ -4417,6 +4397,920 @@
 </p:sld>
 </file>
 
+<file path=ppt/slides/slide10.xml><?xml version="1.0" encoding="utf-8"?>
+<p:sld xmlns:a="http://schemas.openxmlformats.org/drawingml/2006/main" xmlns:r="http://schemas.openxmlformats.org/officeDocument/2006/relationships" xmlns:p="http://schemas.openxmlformats.org/presentationml/2006/main">
+  <p:cSld>
+    <p:spTree>
+      <p:nvGrpSpPr>
+        <p:cNvPr id="1" name=""/>
+        <p:cNvGrpSpPr/>
+        <p:nvPr/>
+      </p:nvGrpSpPr>
+      <p:grpSpPr>
+        <a:xfrm>
+          <a:off x="0" y="0"/>
+          <a:ext cx="0" cy="0"/>
+          <a:chOff x="0" y="0"/>
+          <a:chExt cx="0" cy="0"/>
+        </a:xfrm>
+      </p:grpSpPr>
+      <p:sp>
+        <p:nvSpPr>
+          <p:cNvPr id="2" name="Title 1">
+            <a:extLst>
+              <a:ext uri="{FF2B5EF4-FFF2-40B4-BE49-F238E27FC236}">
+                <a16:creationId xmlns:a16="http://schemas.microsoft.com/office/drawing/2014/main" id="{CBADCC89-3982-4E2E-A9EC-F03E462C0A89}"/>
+              </a:ext>
+            </a:extLst>
+          </p:cNvPr>
+          <p:cNvSpPr>
+            <a:spLocks noGrp="1"/>
+          </p:cNvSpPr>
+          <p:nvPr>
+            <p:ph type="title"/>
+          </p:nvPr>
+        </p:nvSpPr>
+        <p:spPr>
+          <a:xfrm>
+            <a:off x="251460" y="259080"/>
+            <a:ext cx="10873740" cy="893127"/>
+          </a:xfrm>
+        </p:spPr>
+        <p:txBody>
+          <a:bodyPr/>
+          <a:lstStyle/>
+          <a:p>
+            <a:r>
+              <a:rPr lang="en-IN" dirty="0"/>
+              <a:t>WORK IN PROGRESS</a:t>
+            </a:r>
+          </a:p>
+        </p:txBody>
+      </p:sp>
+      <p:pic>
+        <p:nvPicPr>
+          <p:cNvPr id="5" name="Picture 4">
+            <a:extLst>
+              <a:ext uri="{FF2B5EF4-FFF2-40B4-BE49-F238E27FC236}">
+                <a16:creationId xmlns:a16="http://schemas.microsoft.com/office/drawing/2014/main" id="{438A2FEA-9BAE-41EB-A205-533DD80296C4}"/>
+              </a:ext>
+            </a:extLst>
+          </p:cNvPr>
+          <p:cNvPicPr>
+            <a:picLocks noChangeAspect="1"/>
+          </p:cNvPicPr>
+          <p:nvPr/>
+        </p:nvPicPr>
+        <p:blipFill>
+          <a:blip r:embed="rId2"/>
+          <a:stretch>
+            <a:fillRect/>
+          </a:stretch>
+        </p:blipFill>
+        <p:spPr>
+          <a:xfrm>
+            <a:off x="2429274" y="1258739"/>
+            <a:ext cx="6335009" cy="4553585"/>
+          </a:xfrm>
+          <a:prstGeom prst="rect">
+            <a:avLst/>
+          </a:prstGeom>
+        </p:spPr>
+      </p:pic>
+    </p:spTree>
+    <p:extLst>
+      <p:ext uri="{BB962C8B-B14F-4D97-AF65-F5344CB8AC3E}">
+        <p14:creationId xmlns:p14="http://schemas.microsoft.com/office/powerpoint/2010/main" val="1444502827"/>
+      </p:ext>
+    </p:extLst>
+  </p:cSld>
+  <p:clrMapOvr>
+    <a:masterClrMapping/>
+  </p:clrMapOvr>
+</p:sld>
+</file>
+
+<file path=ppt/slides/slide11.xml><?xml version="1.0" encoding="utf-8"?>
+<p:sld xmlns:a="http://schemas.openxmlformats.org/drawingml/2006/main" xmlns:r="http://schemas.openxmlformats.org/officeDocument/2006/relationships" xmlns:p="http://schemas.openxmlformats.org/presentationml/2006/main">
+  <p:cSld>
+    <p:spTree>
+      <p:nvGrpSpPr>
+        <p:cNvPr id="1" name=""/>
+        <p:cNvGrpSpPr/>
+        <p:nvPr/>
+      </p:nvGrpSpPr>
+      <p:grpSpPr>
+        <a:xfrm>
+          <a:off x="0" y="0"/>
+          <a:ext cx="0" cy="0"/>
+          <a:chOff x="0" y="0"/>
+          <a:chExt cx="0" cy="0"/>
+        </a:xfrm>
+      </p:grpSpPr>
+      <p:pic>
+        <p:nvPicPr>
+          <p:cNvPr id="3" name="Picture 2">
+            <a:extLst>
+              <a:ext uri="{FF2B5EF4-FFF2-40B4-BE49-F238E27FC236}">
+                <a16:creationId xmlns:a16="http://schemas.microsoft.com/office/drawing/2014/main" id="{48AD8C0B-DD51-446C-B96E-11B83C48FFFD}"/>
+              </a:ext>
+            </a:extLst>
+          </p:cNvPr>
+          <p:cNvPicPr>
+            <a:picLocks noChangeAspect="1"/>
+          </p:cNvPicPr>
+          <p:nvPr/>
+        </p:nvPicPr>
+        <p:blipFill>
+          <a:blip r:embed="rId2"/>
+          <a:stretch>
+            <a:fillRect/>
+          </a:stretch>
+        </p:blipFill>
+        <p:spPr>
+          <a:xfrm>
+            <a:off x="1074198" y="349399"/>
+            <a:ext cx="9996256" cy="6130166"/>
+          </a:xfrm>
+          <a:prstGeom prst="rect">
+            <a:avLst/>
+          </a:prstGeom>
+        </p:spPr>
+      </p:pic>
+    </p:spTree>
+    <p:extLst>
+      <p:ext uri="{BB962C8B-B14F-4D97-AF65-F5344CB8AC3E}">
+        <p14:creationId xmlns:p14="http://schemas.microsoft.com/office/powerpoint/2010/main" val="331682319"/>
+      </p:ext>
+    </p:extLst>
+  </p:cSld>
+  <p:clrMapOvr>
+    <a:masterClrMapping/>
+  </p:clrMapOvr>
+</p:sld>
+</file>
+
+<file path=ppt/slides/slide12.xml><?xml version="1.0" encoding="utf-8"?>
+<p:sld xmlns:a="http://schemas.openxmlformats.org/drawingml/2006/main" xmlns:r="http://schemas.openxmlformats.org/officeDocument/2006/relationships" xmlns:p="http://schemas.openxmlformats.org/presentationml/2006/main">
+  <p:cSld>
+    <p:spTree>
+      <p:nvGrpSpPr>
+        <p:cNvPr id="1" name=""/>
+        <p:cNvGrpSpPr/>
+        <p:nvPr/>
+      </p:nvGrpSpPr>
+      <p:grpSpPr>
+        <a:xfrm>
+          <a:off x="0" y="0"/>
+          <a:ext cx="0" cy="0"/>
+          <a:chOff x="0" y="0"/>
+          <a:chExt cx="0" cy="0"/>
+        </a:xfrm>
+      </p:grpSpPr>
+      <p:pic>
+        <p:nvPicPr>
+          <p:cNvPr id="3" name="Picture 2">
+            <a:extLst>
+              <a:ext uri="{FF2B5EF4-FFF2-40B4-BE49-F238E27FC236}">
+                <a16:creationId xmlns:a16="http://schemas.microsoft.com/office/drawing/2014/main" id="{6DF5AA03-6F77-424C-9D39-FC11A732AD9C}"/>
+              </a:ext>
+            </a:extLst>
+          </p:cNvPr>
+          <p:cNvPicPr>
+            <a:picLocks noChangeAspect="1"/>
+          </p:cNvPicPr>
+          <p:nvPr/>
+        </p:nvPicPr>
+        <p:blipFill>
+          <a:blip r:embed="rId2"/>
+          <a:stretch>
+            <a:fillRect/>
+          </a:stretch>
+        </p:blipFill>
+        <p:spPr>
+          <a:xfrm>
+            <a:off x="1852020" y="1590418"/>
+            <a:ext cx="8487960" cy="3677163"/>
+          </a:xfrm>
+          <a:prstGeom prst="rect">
+            <a:avLst/>
+          </a:prstGeom>
+        </p:spPr>
+      </p:pic>
+    </p:spTree>
+    <p:extLst>
+      <p:ext uri="{BB962C8B-B14F-4D97-AF65-F5344CB8AC3E}">
+        <p14:creationId xmlns:p14="http://schemas.microsoft.com/office/powerpoint/2010/main" val="2234245032"/>
+      </p:ext>
+    </p:extLst>
+  </p:cSld>
+  <p:clrMapOvr>
+    <a:masterClrMapping/>
+  </p:clrMapOvr>
+</p:sld>
+</file>
+
+<file path=ppt/slides/slide13.xml><?xml version="1.0" encoding="utf-8"?>
+<p:sld xmlns:a="http://schemas.openxmlformats.org/drawingml/2006/main" xmlns:r="http://schemas.openxmlformats.org/officeDocument/2006/relationships" xmlns:p="http://schemas.openxmlformats.org/presentationml/2006/main">
+  <p:cSld>
+    <p:spTree>
+      <p:nvGrpSpPr>
+        <p:cNvPr id="1" name=""/>
+        <p:cNvGrpSpPr/>
+        <p:nvPr/>
+      </p:nvGrpSpPr>
+      <p:grpSpPr>
+        <a:xfrm>
+          <a:off x="0" y="0"/>
+          <a:ext cx="0" cy="0"/>
+          <a:chOff x="0" y="0"/>
+          <a:chExt cx="0" cy="0"/>
+        </a:xfrm>
+      </p:grpSpPr>
+      <p:pic>
+        <p:nvPicPr>
+          <p:cNvPr id="3" name="Picture 2">
+            <a:extLst>
+              <a:ext uri="{FF2B5EF4-FFF2-40B4-BE49-F238E27FC236}">
+                <a16:creationId xmlns:a16="http://schemas.microsoft.com/office/drawing/2014/main" id="{84C021A4-FDBC-45C1-A359-8447BD2DBB96}"/>
+              </a:ext>
+            </a:extLst>
+          </p:cNvPr>
+          <p:cNvPicPr>
+            <a:picLocks noChangeAspect="1"/>
+          </p:cNvPicPr>
+          <p:nvPr/>
+        </p:nvPicPr>
+        <p:blipFill>
+          <a:blip r:embed="rId2"/>
+          <a:stretch>
+            <a:fillRect/>
+          </a:stretch>
+        </p:blipFill>
+        <p:spPr>
+          <a:xfrm>
+            <a:off x="639192" y="430964"/>
+            <a:ext cx="10930651" cy="5952081"/>
+          </a:xfrm>
+          <a:prstGeom prst="rect">
+            <a:avLst/>
+          </a:prstGeom>
+        </p:spPr>
+      </p:pic>
+    </p:spTree>
+    <p:extLst>
+      <p:ext uri="{BB962C8B-B14F-4D97-AF65-F5344CB8AC3E}">
+        <p14:creationId xmlns:p14="http://schemas.microsoft.com/office/powerpoint/2010/main" val="51636905"/>
+      </p:ext>
+    </p:extLst>
+  </p:cSld>
+  <p:clrMapOvr>
+    <a:masterClrMapping/>
+  </p:clrMapOvr>
+</p:sld>
+</file>
+
+<file path=ppt/slides/slide14.xml><?xml version="1.0" encoding="utf-8"?>
+<p:sld xmlns:a="http://schemas.openxmlformats.org/drawingml/2006/main" xmlns:r="http://schemas.openxmlformats.org/officeDocument/2006/relationships" xmlns:p="http://schemas.openxmlformats.org/presentationml/2006/main">
+  <p:cSld>
+    <p:spTree>
+      <p:nvGrpSpPr>
+        <p:cNvPr id="1" name=""/>
+        <p:cNvGrpSpPr/>
+        <p:nvPr/>
+      </p:nvGrpSpPr>
+      <p:grpSpPr>
+        <a:xfrm>
+          <a:off x="0" y="0"/>
+          <a:ext cx="0" cy="0"/>
+          <a:chOff x="0" y="0"/>
+          <a:chExt cx="0" cy="0"/>
+        </a:xfrm>
+      </p:grpSpPr>
+      <p:pic>
+        <p:nvPicPr>
+          <p:cNvPr id="3" name="Picture 2">
+            <a:extLst>
+              <a:ext uri="{FF2B5EF4-FFF2-40B4-BE49-F238E27FC236}">
+                <a16:creationId xmlns:a16="http://schemas.microsoft.com/office/drawing/2014/main" id="{EC919EA9-526A-4CAB-8CFF-B2F188FD7124}"/>
+              </a:ext>
+            </a:extLst>
+          </p:cNvPr>
+          <p:cNvPicPr>
+            <a:picLocks noChangeAspect="1"/>
+          </p:cNvPicPr>
+          <p:nvPr/>
+        </p:nvPicPr>
+        <p:blipFill>
+          <a:blip r:embed="rId2"/>
+          <a:stretch>
+            <a:fillRect/>
+          </a:stretch>
+        </p:blipFill>
+        <p:spPr>
+          <a:xfrm>
+            <a:off x="1356651" y="1280160"/>
+            <a:ext cx="9478698" cy="4682843"/>
+          </a:xfrm>
+          <a:prstGeom prst="rect">
+            <a:avLst/>
+          </a:prstGeom>
+        </p:spPr>
+      </p:pic>
+      <p:sp>
+        <p:nvSpPr>
+          <p:cNvPr id="4" name="Title 3">
+            <a:extLst>
+              <a:ext uri="{FF2B5EF4-FFF2-40B4-BE49-F238E27FC236}">
+                <a16:creationId xmlns:a16="http://schemas.microsoft.com/office/drawing/2014/main" id="{B2DA44B2-9677-470D-99C8-0EAAB7AC2F39}"/>
+              </a:ext>
+            </a:extLst>
+          </p:cNvPr>
+          <p:cNvSpPr>
+            <a:spLocks noGrp="1"/>
+          </p:cNvSpPr>
+          <p:nvPr>
+            <p:ph type="title"/>
+          </p:nvPr>
+        </p:nvSpPr>
+        <p:spPr>
+          <a:xfrm>
+            <a:off x="198120" y="-312420"/>
+            <a:ext cx="10927080" cy="1821180"/>
+          </a:xfrm>
+        </p:spPr>
+        <p:txBody>
+          <a:bodyPr/>
+          <a:lstStyle/>
+          <a:p>
+            <a:r>
+              <a:rPr lang="en-IN" dirty="0"/>
+              <a:t>ALPHA TESTING</a:t>
+            </a:r>
+          </a:p>
+        </p:txBody>
+      </p:sp>
+    </p:spTree>
+    <p:extLst>
+      <p:ext uri="{BB962C8B-B14F-4D97-AF65-F5344CB8AC3E}">
+        <p14:creationId xmlns:p14="http://schemas.microsoft.com/office/powerpoint/2010/main" val="264321116"/>
+      </p:ext>
+    </p:extLst>
+  </p:cSld>
+  <p:clrMapOvr>
+    <a:masterClrMapping/>
+  </p:clrMapOvr>
+</p:sld>
+</file>
+
+<file path=ppt/slides/slide15.xml><?xml version="1.0" encoding="utf-8"?>
+<p:sld xmlns:a="http://schemas.openxmlformats.org/drawingml/2006/main" xmlns:r="http://schemas.openxmlformats.org/officeDocument/2006/relationships" xmlns:p="http://schemas.openxmlformats.org/presentationml/2006/main">
+  <p:cSld>
+    <p:spTree>
+      <p:nvGrpSpPr>
+        <p:cNvPr id="1" name=""/>
+        <p:cNvGrpSpPr/>
+        <p:nvPr/>
+      </p:nvGrpSpPr>
+      <p:grpSpPr>
+        <a:xfrm>
+          <a:off x="0" y="0"/>
+          <a:ext cx="0" cy="0"/>
+          <a:chOff x="0" y="0"/>
+          <a:chExt cx="0" cy="0"/>
+        </a:xfrm>
+      </p:grpSpPr>
+      <p:pic>
+        <p:nvPicPr>
+          <p:cNvPr id="3" name="Picture 2">
+            <a:extLst>
+              <a:ext uri="{FF2B5EF4-FFF2-40B4-BE49-F238E27FC236}">
+                <a16:creationId xmlns:a16="http://schemas.microsoft.com/office/drawing/2014/main" id="{E69B809B-C016-44AC-9201-914634F6BB1A}"/>
+              </a:ext>
+            </a:extLst>
+          </p:cNvPr>
+          <p:cNvPicPr>
+            <a:picLocks noChangeAspect="1"/>
+          </p:cNvPicPr>
+          <p:nvPr/>
+        </p:nvPicPr>
+        <p:blipFill>
+          <a:blip r:embed="rId2"/>
+          <a:stretch>
+            <a:fillRect/>
+          </a:stretch>
+        </p:blipFill>
+        <p:spPr>
+          <a:xfrm>
+            <a:off x="452760" y="1133475"/>
+            <a:ext cx="11292397" cy="4591050"/>
+          </a:xfrm>
+          <a:prstGeom prst="rect">
+            <a:avLst/>
+          </a:prstGeom>
+        </p:spPr>
+      </p:pic>
+    </p:spTree>
+    <p:extLst>
+      <p:ext uri="{BB962C8B-B14F-4D97-AF65-F5344CB8AC3E}">
+        <p14:creationId xmlns:p14="http://schemas.microsoft.com/office/powerpoint/2010/main" val="3937696979"/>
+      </p:ext>
+    </p:extLst>
+  </p:cSld>
+  <p:clrMapOvr>
+    <a:masterClrMapping/>
+  </p:clrMapOvr>
+</p:sld>
+</file>
+
+<file path=ppt/slides/slide16.xml><?xml version="1.0" encoding="utf-8"?>
+<p:sld xmlns:a="http://schemas.openxmlformats.org/drawingml/2006/main" xmlns:r="http://schemas.openxmlformats.org/officeDocument/2006/relationships" xmlns:p="http://schemas.openxmlformats.org/presentationml/2006/main">
+  <p:cSld>
+    <p:spTree>
+      <p:nvGrpSpPr>
+        <p:cNvPr id="1" name=""/>
+        <p:cNvGrpSpPr/>
+        <p:nvPr/>
+      </p:nvGrpSpPr>
+      <p:grpSpPr>
+        <a:xfrm>
+          <a:off x="0" y="0"/>
+          <a:ext cx="0" cy="0"/>
+          <a:chOff x="0" y="0"/>
+          <a:chExt cx="0" cy="0"/>
+        </a:xfrm>
+      </p:grpSpPr>
+      <p:sp>
+        <p:nvSpPr>
+          <p:cNvPr id="2" name="Title 1">
+            <a:extLst>
+              <a:ext uri="{FF2B5EF4-FFF2-40B4-BE49-F238E27FC236}">
+                <a16:creationId xmlns:a16="http://schemas.microsoft.com/office/drawing/2014/main" id="{66BCE019-9C1F-4500-9558-193A93D12F1B}"/>
+              </a:ext>
+            </a:extLst>
+          </p:cNvPr>
+          <p:cNvSpPr>
+            <a:spLocks noGrp="1"/>
+          </p:cNvSpPr>
+          <p:nvPr>
+            <p:ph type="title"/>
+          </p:nvPr>
+        </p:nvSpPr>
+        <p:spPr>
+          <a:xfrm>
+            <a:off x="1066800" y="642594"/>
+            <a:ext cx="10058400" cy="1257227"/>
+          </a:xfrm>
+        </p:spPr>
+        <p:txBody>
+          <a:bodyPr>
+            <a:normAutofit fontScale="90000"/>
+          </a:bodyPr>
+          <a:lstStyle/>
+          <a:p>
+            <a:r>
+              <a:rPr lang="en-IN" dirty="0">
+                <a:effectLst/>
+                <a:latin typeface="Calibri" panose="020F0502020204030204" pitchFamily="34" charset="0"/>
+                <a:ea typeface="Calibri" panose="020F0502020204030204" pitchFamily="34" charset="0"/>
+                <a:cs typeface="Calibri" panose="020F0502020204030204" pitchFamily="34" charset="0"/>
+              </a:rPr>
+              <a:t>RESULT:</a:t>
+            </a:r>
+            <a:br>
+              <a:rPr lang="en-IN" sz="1800" dirty="0">
+                <a:effectLst/>
+                <a:latin typeface="Calibri" panose="020F0502020204030204" pitchFamily="34" charset="0"/>
+                <a:ea typeface="Calibri" panose="020F0502020204030204" pitchFamily="34" charset="0"/>
+                <a:cs typeface="Times New Roman" panose="02020603050405020304" pitchFamily="18" charset="0"/>
+              </a:rPr>
+            </a:br>
+            <a:endParaRPr lang="en-IN" dirty="0"/>
+          </a:p>
+        </p:txBody>
+      </p:sp>
+      <p:sp>
+        <p:nvSpPr>
+          <p:cNvPr id="3" name="Content Placeholder 2">
+            <a:extLst>
+              <a:ext uri="{FF2B5EF4-FFF2-40B4-BE49-F238E27FC236}">
+                <a16:creationId xmlns:a16="http://schemas.microsoft.com/office/drawing/2014/main" id="{7D1B06DC-36E4-4681-9EE8-1240BBA3A63F}"/>
+              </a:ext>
+            </a:extLst>
+          </p:cNvPr>
+          <p:cNvSpPr>
+            <a:spLocks noGrp="1"/>
+          </p:cNvSpPr>
+          <p:nvPr>
+            <p:ph idx="1"/>
+          </p:nvPr>
+        </p:nvSpPr>
+        <p:spPr>
+          <a:xfrm>
+            <a:off x="1066800" y="1463040"/>
+            <a:ext cx="10058400" cy="5106436"/>
+          </a:xfrm>
+        </p:spPr>
+        <p:txBody>
+          <a:bodyPr>
+            <a:normAutofit/>
+          </a:bodyPr>
+          <a:lstStyle/>
+          <a:p>
+            <a:pPr marL="342900" lvl="0" indent="-342900" algn="just">
+              <a:lnSpc>
+                <a:spcPct val="107000"/>
+              </a:lnSpc>
+              <a:buFont typeface="Symbol" panose="05050102010706020507" pitchFamily="18" charset="2"/>
+              <a:buChar char=""/>
+            </a:pPr>
+            <a:r>
+              <a:rPr lang="en-IN" sz="2600" dirty="0">
+                <a:effectLst/>
+                <a:latin typeface="Times New Roman" panose="02020603050405020304" pitchFamily="18" charset="0"/>
+                <a:ea typeface="Calibri" panose="020F0502020204030204" pitchFamily="34" charset="0"/>
+                <a:cs typeface="Times New Roman" panose="02020603050405020304" pitchFamily="18" charset="0"/>
+              </a:rPr>
+              <a:t>Thus, by following the above technique, we can convert a mp4 file into an mp3 file.</a:t>
+            </a:r>
+            <a:endParaRPr lang="en-IN" sz="2600" dirty="0">
+              <a:effectLst/>
+              <a:latin typeface="Calibri" panose="020F0502020204030204" pitchFamily="34" charset="0"/>
+              <a:ea typeface="Calibri" panose="020F0502020204030204" pitchFamily="34" charset="0"/>
+              <a:cs typeface="Times New Roman" panose="02020603050405020304" pitchFamily="18" charset="0"/>
+            </a:endParaRPr>
+          </a:p>
+          <a:p>
+            <a:pPr marL="342900" lvl="0" indent="-342900" algn="just">
+              <a:lnSpc>
+                <a:spcPct val="107000"/>
+              </a:lnSpc>
+              <a:spcAft>
+                <a:spcPts val="800"/>
+              </a:spcAft>
+              <a:buFont typeface="Symbol" panose="05050102010706020507" pitchFamily="18" charset="2"/>
+              <a:buChar char=""/>
+            </a:pPr>
+            <a:r>
+              <a:rPr lang="en-IN" sz="2600" dirty="0">
+                <a:effectLst/>
+                <a:latin typeface="Times New Roman" panose="02020603050405020304" pitchFamily="18" charset="0"/>
+                <a:ea typeface="Calibri" panose="020F0502020204030204" pitchFamily="34" charset="0"/>
+                <a:cs typeface="Times New Roman" panose="02020603050405020304" pitchFamily="18" charset="0"/>
+              </a:rPr>
+              <a:t>In the cases where we will need only the audio in the video files, we can use this technique to extract and save the audio file, which will help in saving the memory too.</a:t>
+            </a:r>
+          </a:p>
+          <a:p>
+            <a:pPr marL="342900" lvl="0" indent="-342900" algn="just">
+              <a:lnSpc>
+                <a:spcPct val="107000"/>
+              </a:lnSpc>
+              <a:spcAft>
+                <a:spcPts val="800"/>
+              </a:spcAft>
+              <a:buFont typeface="Symbol" panose="05050102010706020507" pitchFamily="18" charset="2"/>
+              <a:buChar char=""/>
+            </a:pPr>
+            <a:r>
+              <a:rPr lang="en-IN" sz="2600" dirty="0">
+                <a:latin typeface="Times New Roman" panose="02020603050405020304" pitchFamily="18" charset="0"/>
+                <a:ea typeface="Calibri" panose="020F0502020204030204" pitchFamily="34" charset="0"/>
+                <a:cs typeface="Times New Roman" panose="02020603050405020304" pitchFamily="18" charset="0"/>
+              </a:rPr>
+              <a:t>We have developed a code for controlling the speed of the output speech, which will make it easy for people to understand.</a:t>
+            </a:r>
+          </a:p>
+          <a:p>
+            <a:pPr marL="342900" lvl="0" indent="-342900" algn="just">
+              <a:lnSpc>
+                <a:spcPct val="107000"/>
+              </a:lnSpc>
+              <a:spcAft>
+                <a:spcPts val="800"/>
+              </a:spcAft>
+              <a:buFont typeface="Symbol" panose="05050102010706020507" pitchFamily="18" charset="2"/>
+              <a:buChar char=""/>
+            </a:pPr>
+            <a:r>
+              <a:rPr lang="en-IN" sz="2600" dirty="0">
+                <a:effectLst/>
+                <a:latin typeface="Times New Roman" panose="02020603050405020304" pitchFamily="18" charset="0"/>
+                <a:ea typeface="Calibri" panose="020F0502020204030204" pitchFamily="34" charset="0"/>
+                <a:cs typeface="Times New Roman" panose="02020603050405020304" pitchFamily="18" charset="0"/>
+              </a:rPr>
+              <a:t>Here, the user will have t</a:t>
+            </a:r>
+            <a:r>
+              <a:rPr lang="en-IN" sz="2600" dirty="0">
+                <a:latin typeface="Times New Roman" panose="02020603050405020304" pitchFamily="18" charset="0"/>
+                <a:ea typeface="Calibri" panose="020F0502020204030204" pitchFamily="34" charset="0"/>
+                <a:cs typeface="Times New Roman" panose="02020603050405020304" pitchFamily="18" charset="0"/>
+              </a:rPr>
+              <a:t>he comfort of selecting his desired </a:t>
+            </a:r>
+            <a:r>
+              <a:rPr lang="en-IN" sz="2600" dirty="0" err="1">
+                <a:latin typeface="Times New Roman" panose="02020603050405020304" pitchFamily="18" charset="0"/>
+                <a:ea typeface="Calibri" panose="020F0502020204030204" pitchFamily="34" charset="0"/>
+                <a:cs typeface="Times New Roman" panose="02020603050405020304" pitchFamily="18" charset="0"/>
+              </a:rPr>
+              <a:t>vedio</a:t>
+            </a:r>
+            <a:r>
+              <a:rPr lang="en-IN" sz="2600" dirty="0">
+                <a:latin typeface="Times New Roman" panose="02020603050405020304" pitchFamily="18" charset="0"/>
+                <a:ea typeface="Calibri" panose="020F0502020204030204" pitchFamily="34" charset="0"/>
+                <a:cs typeface="Times New Roman" panose="02020603050405020304" pitchFamily="18" charset="0"/>
+              </a:rPr>
+              <a:t>, and can convert it into audio form.</a:t>
+            </a:r>
+            <a:endParaRPr lang="en-IN" sz="2600" dirty="0">
+              <a:effectLst/>
+              <a:latin typeface="Calibri" panose="020F0502020204030204" pitchFamily="34" charset="0"/>
+              <a:ea typeface="Calibri" panose="020F0502020204030204" pitchFamily="34" charset="0"/>
+              <a:cs typeface="Times New Roman" panose="02020603050405020304" pitchFamily="18" charset="0"/>
+            </a:endParaRPr>
+          </a:p>
+          <a:p>
+            <a:endParaRPr lang="en-IN" sz="2600" dirty="0"/>
+          </a:p>
+        </p:txBody>
+      </p:sp>
+    </p:spTree>
+    <p:extLst>
+      <p:ext uri="{BB962C8B-B14F-4D97-AF65-F5344CB8AC3E}">
+        <p14:creationId xmlns:p14="http://schemas.microsoft.com/office/powerpoint/2010/main" val="154401017"/>
+      </p:ext>
+    </p:extLst>
+  </p:cSld>
+  <p:clrMapOvr>
+    <a:masterClrMapping/>
+  </p:clrMapOvr>
+</p:sld>
+</file>
+
+<file path=ppt/slides/slide17.xml><?xml version="1.0" encoding="utf-8"?>
+<p:sld xmlns:a="http://schemas.openxmlformats.org/drawingml/2006/main" xmlns:r="http://schemas.openxmlformats.org/officeDocument/2006/relationships" xmlns:p="http://schemas.openxmlformats.org/presentationml/2006/main">
+  <p:cSld>
+    <p:spTree>
+      <p:nvGrpSpPr>
+        <p:cNvPr id="1" name=""/>
+        <p:cNvGrpSpPr/>
+        <p:nvPr/>
+      </p:nvGrpSpPr>
+      <p:grpSpPr>
+        <a:xfrm>
+          <a:off x="0" y="0"/>
+          <a:ext cx="0" cy="0"/>
+          <a:chOff x="0" y="0"/>
+          <a:chExt cx="0" cy="0"/>
+        </a:xfrm>
+      </p:grpSpPr>
+      <p:sp>
+        <p:nvSpPr>
+          <p:cNvPr id="2" name="Title 1">
+            <a:extLst>
+              <a:ext uri="{FF2B5EF4-FFF2-40B4-BE49-F238E27FC236}">
+                <a16:creationId xmlns:a16="http://schemas.microsoft.com/office/drawing/2014/main" id="{978CF046-2DDA-47A1-8804-7043454892C6}"/>
+              </a:ext>
+            </a:extLst>
+          </p:cNvPr>
+          <p:cNvSpPr>
+            <a:spLocks noGrp="1"/>
+          </p:cNvSpPr>
+          <p:nvPr>
+            <p:ph type="title"/>
+          </p:nvPr>
+        </p:nvSpPr>
+        <p:spPr/>
+        <p:txBody>
+          <a:bodyPr>
+            <a:noAutofit/>
+          </a:bodyPr>
+          <a:lstStyle/>
+          <a:p>
+            <a:r>
+              <a:rPr lang="en-IN" dirty="0">
+                <a:effectLst/>
+                <a:latin typeface="Calibri" panose="020F0502020204030204" pitchFamily="34" charset="0"/>
+                <a:ea typeface="Calibri" panose="020F0502020204030204" pitchFamily="34" charset="0"/>
+                <a:cs typeface="Calibri" panose="020F0502020204030204" pitchFamily="34" charset="0"/>
+              </a:rPr>
+              <a:t> CONCLUSION:</a:t>
+            </a:r>
+            <a:br>
+              <a:rPr lang="en-IN" dirty="0">
+                <a:effectLst/>
+                <a:latin typeface="Calibri" panose="020F0502020204030204" pitchFamily="34" charset="0"/>
+                <a:ea typeface="Calibri" panose="020F0502020204030204" pitchFamily="34" charset="0"/>
+                <a:cs typeface="Times New Roman" panose="02020603050405020304" pitchFamily="18" charset="0"/>
+              </a:rPr>
+            </a:br>
+            <a:endParaRPr lang="en-IN" dirty="0"/>
+          </a:p>
+        </p:txBody>
+      </p:sp>
+      <p:sp>
+        <p:nvSpPr>
+          <p:cNvPr id="3" name="Content Placeholder 2">
+            <a:extLst>
+              <a:ext uri="{FF2B5EF4-FFF2-40B4-BE49-F238E27FC236}">
+                <a16:creationId xmlns:a16="http://schemas.microsoft.com/office/drawing/2014/main" id="{D1BFCAB3-915E-4B44-BEB7-09FE31553A12}"/>
+              </a:ext>
+            </a:extLst>
+          </p:cNvPr>
+          <p:cNvSpPr>
+            <a:spLocks noGrp="1"/>
+          </p:cNvSpPr>
+          <p:nvPr>
+            <p:ph idx="1"/>
+          </p:nvPr>
+        </p:nvSpPr>
+        <p:spPr>
+          <a:xfrm>
+            <a:off x="969145" y="1463040"/>
+            <a:ext cx="10058400" cy="4937760"/>
+          </a:xfrm>
+        </p:spPr>
+        <p:txBody>
+          <a:bodyPr>
+            <a:noAutofit/>
+          </a:bodyPr>
+          <a:lstStyle/>
+          <a:p>
+            <a:pPr marL="342900" lvl="0" indent="-342900" algn="just">
+              <a:lnSpc>
+                <a:spcPct val="107000"/>
+              </a:lnSpc>
+              <a:buFont typeface="Symbol" panose="05050102010706020507" pitchFamily="18" charset="2"/>
+              <a:buChar char=""/>
+            </a:pPr>
+            <a:r>
+              <a:rPr lang="en-IN" sz="2600" dirty="0">
+                <a:solidFill>
+                  <a:srgbClr val="000000"/>
+                </a:solidFill>
+                <a:effectLst/>
+                <a:latin typeface="Times New Roman" panose="02020603050405020304" pitchFamily="18" charset="0"/>
+                <a:ea typeface="Calibri" panose="020F0502020204030204" pitchFamily="34" charset="0"/>
+                <a:cs typeface="Times New Roman" panose="02020603050405020304" pitchFamily="18" charset="0"/>
+              </a:rPr>
+              <a:t>Converting a video to audio has many advantages and is very useful in our amateur learning. The above-mentioned technique can be used in achieving this.</a:t>
+            </a:r>
+            <a:endParaRPr lang="en-IN" sz="2600" dirty="0">
+              <a:effectLst/>
+              <a:latin typeface="Calibri" panose="020F0502020204030204" pitchFamily="34" charset="0"/>
+              <a:ea typeface="Calibri" panose="020F0502020204030204" pitchFamily="34" charset="0"/>
+              <a:cs typeface="Times New Roman" panose="02020603050405020304" pitchFamily="18" charset="0"/>
+            </a:endParaRPr>
+          </a:p>
+          <a:p>
+            <a:pPr marL="342900" lvl="0" indent="-342900" algn="just">
+              <a:lnSpc>
+                <a:spcPct val="107000"/>
+              </a:lnSpc>
+              <a:buFont typeface="Symbol" panose="05050102010706020507" pitchFamily="18" charset="2"/>
+              <a:buChar char=""/>
+            </a:pPr>
+            <a:r>
+              <a:rPr lang="en-IN" sz="2600" dirty="0">
+                <a:solidFill>
+                  <a:srgbClr val="000000"/>
+                </a:solidFill>
+                <a:effectLst/>
+                <a:latin typeface="Times New Roman" panose="02020603050405020304" pitchFamily="18" charset="0"/>
+                <a:ea typeface="Calibri" panose="020F0502020204030204" pitchFamily="34" charset="0"/>
+                <a:cs typeface="Times New Roman" panose="02020603050405020304" pitchFamily="18" charset="0"/>
+              </a:rPr>
+              <a:t>But when you want to convert some videos containing sensitive information, desktop applications that can work without a network would be a better choice. </a:t>
+            </a:r>
+            <a:endParaRPr lang="en-IN" sz="2600" dirty="0">
+              <a:effectLst/>
+              <a:latin typeface="Calibri" panose="020F0502020204030204" pitchFamily="34" charset="0"/>
+              <a:ea typeface="Calibri" panose="020F0502020204030204" pitchFamily="34" charset="0"/>
+              <a:cs typeface="Times New Roman" panose="02020603050405020304" pitchFamily="18" charset="0"/>
+            </a:endParaRPr>
+          </a:p>
+          <a:p>
+            <a:pPr marL="342900" lvl="0" indent="-342900" algn="just">
+              <a:lnSpc>
+                <a:spcPct val="107000"/>
+              </a:lnSpc>
+              <a:spcAft>
+                <a:spcPts val="800"/>
+              </a:spcAft>
+              <a:buFont typeface="Symbol" panose="05050102010706020507" pitchFamily="18" charset="2"/>
+              <a:buChar char=""/>
+            </a:pPr>
+            <a:r>
+              <a:rPr lang="en-IN" sz="2600" dirty="0">
+                <a:solidFill>
+                  <a:srgbClr val="000000"/>
+                </a:solidFill>
+                <a:effectLst/>
+                <a:latin typeface="Times New Roman" panose="02020603050405020304" pitchFamily="18" charset="0"/>
+                <a:ea typeface="Calibri" panose="020F0502020204030204" pitchFamily="34" charset="0"/>
+                <a:cs typeface="Times New Roman" panose="02020603050405020304" pitchFamily="18" charset="0"/>
+              </a:rPr>
+              <a:t>It will not upload your videos to its service and change the file format by offline transcoding.</a:t>
+            </a:r>
+          </a:p>
+          <a:p>
+            <a:pPr marL="342900" lvl="0" indent="-342900" algn="just">
+              <a:lnSpc>
+                <a:spcPct val="107000"/>
+              </a:lnSpc>
+              <a:spcAft>
+                <a:spcPts val="800"/>
+              </a:spcAft>
+              <a:buFont typeface="Symbol" panose="05050102010706020507" pitchFamily="18" charset="2"/>
+              <a:buChar char=""/>
+            </a:pPr>
+            <a:endParaRPr lang="en-IN" sz="2600" dirty="0">
+              <a:effectLst/>
+              <a:latin typeface="Calibri" panose="020F0502020204030204" pitchFamily="34" charset="0"/>
+              <a:ea typeface="Calibri" panose="020F0502020204030204" pitchFamily="34" charset="0"/>
+              <a:cs typeface="Times New Roman" panose="02020603050405020304" pitchFamily="18" charset="0"/>
+            </a:endParaRPr>
+          </a:p>
+          <a:p>
+            <a:endParaRPr lang="en-IN" sz="2600" dirty="0"/>
+          </a:p>
+        </p:txBody>
+      </p:sp>
+    </p:spTree>
+    <p:extLst>
+      <p:ext uri="{BB962C8B-B14F-4D97-AF65-F5344CB8AC3E}">
+        <p14:creationId xmlns:p14="http://schemas.microsoft.com/office/powerpoint/2010/main" val="1725094770"/>
+      </p:ext>
+    </p:extLst>
+  </p:cSld>
+  <p:clrMapOvr>
+    <a:masterClrMapping/>
+  </p:clrMapOvr>
+</p:sld>
+</file>
+
+<file path=ppt/slides/slide18.xml><?xml version="1.0" encoding="utf-8"?>
+<p:sld xmlns:a="http://schemas.openxmlformats.org/drawingml/2006/main" xmlns:r="http://schemas.openxmlformats.org/officeDocument/2006/relationships" xmlns:p="http://schemas.openxmlformats.org/presentationml/2006/main">
+  <p:cSld>
+    <p:spTree>
+      <p:nvGrpSpPr>
+        <p:cNvPr id="1" name=""/>
+        <p:cNvGrpSpPr/>
+        <p:nvPr/>
+      </p:nvGrpSpPr>
+      <p:grpSpPr>
+        <a:xfrm>
+          <a:off x="0" y="0"/>
+          <a:ext cx="0" cy="0"/>
+          <a:chOff x="0" y="0"/>
+          <a:chExt cx="0" cy="0"/>
+        </a:xfrm>
+      </p:grpSpPr>
+      <p:sp>
+        <p:nvSpPr>
+          <p:cNvPr id="2" name="Title 1">
+            <a:extLst>
+              <a:ext uri="{FF2B5EF4-FFF2-40B4-BE49-F238E27FC236}">
+                <a16:creationId xmlns:a16="http://schemas.microsoft.com/office/drawing/2014/main" id="{ABC3344F-E1D6-4B1E-92F0-2402EE5F7597}"/>
+              </a:ext>
+            </a:extLst>
+          </p:cNvPr>
+          <p:cNvSpPr>
+            <a:spLocks noGrp="1"/>
+          </p:cNvSpPr>
+          <p:nvPr>
+            <p:ph type="ctrTitle"/>
+          </p:nvPr>
+        </p:nvSpPr>
+        <p:spPr/>
+        <p:txBody>
+          <a:bodyPr/>
+          <a:lstStyle/>
+          <a:p>
+            <a:r>
+              <a:rPr lang="en-US" dirty="0"/>
+              <a:t>thankyou</a:t>
+            </a:r>
+            <a:endParaRPr lang="en-IN" dirty="0"/>
+          </a:p>
+        </p:txBody>
+      </p:sp>
+    </p:spTree>
+    <p:extLst>
+      <p:ext uri="{BB962C8B-B14F-4D97-AF65-F5344CB8AC3E}">
+        <p14:creationId xmlns:p14="http://schemas.microsoft.com/office/powerpoint/2010/main" val="134313872"/>
+      </p:ext>
+    </p:extLst>
+  </p:cSld>
+  <p:clrMapOvr>
+    <a:masterClrMapping/>
+  </p:clrMapOvr>
+</p:sld>
+</file>
+
 <file path=ppt/slides/slide2.xml><?xml version="1.0" encoding="utf-8"?>
 <p:sld xmlns:a="http://schemas.openxmlformats.org/drawingml/2006/main" xmlns:r="http://schemas.openxmlformats.org/officeDocument/2006/relationships" xmlns:p="http://schemas.openxmlformats.org/presentationml/2006/main">
   <p:cSld>
@@ -4501,7 +5395,7 @@
               <a:buChar char=""/>
             </a:pPr>
             <a:r>
-              <a:rPr lang="en-IN" sz="2800" dirty="0">
+              <a:rPr lang="en-IN" sz="2600" dirty="0">
                 <a:effectLst/>
                 <a:latin typeface="Times New Roman" panose="02020603050405020304" pitchFamily="18" charset="0"/>
                 <a:ea typeface="Calibri" panose="020F0502020204030204" pitchFamily="34" charset="0"/>
@@ -4509,7 +5403,7 @@
               </a:rPr>
               <a:t>The project video to audio converter is all about converting a mp4 file to mp3 file. </a:t>
             </a:r>
-            <a:endParaRPr lang="en-IN" sz="2800" dirty="0">
+            <a:endParaRPr lang="en-IN" sz="2600" dirty="0">
               <a:effectLst/>
               <a:latin typeface="Calibri" panose="020F0502020204030204" pitchFamily="34" charset="0"/>
               <a:ea typeface="Calibri" panose="020F0502020204030204" pitchFamily="34" charset="0"/>
@@ -4525,7 +5419,7 @@
               <a:buChar char=""/>
             </a:pPr>
             <a:r>
-              <a:rPr lang="en-IN" sz="2800" spc="-5" dirty="0">
+              <a:rPr lang="en-IN" sz="2600" spc="-5" dirty="0">
                 <a:solidFill>
                   <a:srgbClr val="292929"/>
                 </a:solidFill>
@@ -4536,7 +5430,7 @@
               </a:rPr>
               <a:t>We will need a video recording for this project. It can even be a recording of yourself speaking to the camera. </a:t>
             </a:r>
-            <a:endParaRPr lang="en-IN" sz="2800" dirty="0">
+            <a:endParaRPr lang="en-IN" sz="2600" dirty="0">
               <a:effectLst/>
               <a:latin typeface="Calibri" panose="020F0502020204030204" pitchFamily="34" charset="0"/>
               <a:ea typeface="Calibri" panose="020F0502020204030204" pitchFamily="34" charset="0"/>
@@ -4552,7 +5446,7 @@
               <a:buChar char=""/>
             </a:pPr>
             <a:r>
-              <a:rPr lang="en-IN" sz="2800" spc="-5" dirty="0">
+              <a:rPr lang="en-IN" sz="2600" spc="-5" dirty="0">
                 <a:solidFill>
                   <a:srgbClr val="292929"/>
                 </a:solidFill>
@@ -4564,7 +5458,7 @@
               <a:t>Using a library called </a:t>
             </a:r>
             <a:r>
-              <a:rPr lang="en-IN" sz="2800" i="0" spc="-5" dirty="0" err="1">
+              <a:rPr lang="en-IN" sz="2600" i="0" spc="-5" dirty="0" err="1">
                 <a:solidFill>
                   <a:srgbClr val="292929"/>
                 </a:solidFill>
@@ -4576,7 +5470,7 @@
               <a:t>MoviePy</a:t>
             </a:r>
             <a:r>
-              <a:rPr lang="en-IN" sz="2800" i="0" spc="-5" dirty="0">
+              <a:rPr lang="en-IN" sz="2600" i="0" spc="-5" dirty="0">
                 <a:solidFill>
                   <a:srgbClr val="292929"/>
                 </a:solidFill>
@@ -4588,7 +5482,7 @@
               <a:t>,</a:t>
             </a:r>
             <a:r>
-              <a:rPr lang="en-IN" sz="2800" i="1" spc="-5" dirty="0">
+              <a:rPr lang="en-IN" sz="2600" i="1" spc="-5" dirty="0">
                 <a:solidFill>
                   <a:srgbClr val="292929"/>
                 </a:solidFill>
@@ -4600,7 +5494,7 @@
               <a:t> </a:t>
             </a:r>
             <a:r>
-              <a:rPr lang="en-IN" sz="2800" spc="-5" dirty="0">
+              <a:rPr lang="en-IN" sz="2600" spc="-5" dirty="0">
                 <a:solidFill>
                   <a:srgbClr val="292929"/>
                 </a:solidFill>
@@ -4611,7 +5505,7 @@
               </a:rPr>
               <a:t>we will extract the audio from the video recording. </a:t>
             </a:r>
-            <a:endParaRPr lang="en-IN" sz="2800" dirty="0">
+            <a:endParaRPr lang="en-IN" sz="2600" dirty="0">
               <a:effectLst/>
               <a:latin typeface="Calibri" panose="020F0502020204030204" pitchFamily="34" charset="0"/>
               <a:ea typeface="Calibri" panose="020F0502020204030204" pitchFamily="34" charset="0"/>
@@ -4630,7 +5524,7 @@
               <a:buChar char=""/>
             </a:pPr>
             <a:r>
-              <a:rPr lang="en-IN" sz="2800" spc="-5" dirty="0">
+              <a:rPr lang="en-IN" sz="2600" spc="-5" dirty="0">
                 <a:solidFill>
                   <a:srgbClr val="292929"/>
                 </a:solidFill>
@@ -4641,7 +5535,7 @@
               </a:rPr>
               <a:t>We need to give the input as video and we get output as audio.</a:t>
             </a:r>
-            <a:endParaRPr lang="en-IN" sz="2800" dirty="0">
+            <a:endParaRPr lang="en-IN" sz="2600" dirty="0">
               <a:effectLst/>
               <a:latin typeface="Calibri" panose="020F0502020204030204" pitchFamily="34" charset="0"/>
               <a:ea typeface="Calibri" panose="020F0502020204030204" pitchFamily="34" charset="0"/>
@@ -4657,7 +5551,7 @@
                 <a:spcPts val="800"/>
               </a:spcAft>
             </a:pPr>
-            <a:endParaRPr lang="en-IN" sz="2800" dirty="0">
+            <a:endParaRPr lang="en-IN" sz="2600" dirty="0">
               <a:effectLst/>
               <a:latin typeface="Calibri" panose="020F0502020204030204" pitchFamily="34" charset="0"/>
               <a:ea typeface="Calibri" panose="020F0502020204030204" pitchFamily="34" charset="0"/>
@@ -4665,7 +5559,7 @@
             </a:endParaRPr>
           </a:p>
           <a:p>
-            <a:endParaRPr lang="en-IN" sz="2800" dirty="0"/>
+            <a:endParaRPr lang="en-IN" sz="2600" dirty="0"/>
           </a:p>
         </p:txBody>
       </p:sp>
@@ -4768,7 +5662,12 @@
             <p:ph idx="1"/>
           </p:nvPr>
         </p:nvSpPr>
-        <p:spPr/>
+        <p:spPr>
+          <a:xfrm>
+            <a:off x="1066800" y="1570460"/>
+            <a:ext cx="10058400" cy="3931920"/>
+          </a:xfrm>
+        </p:spPr>
         <p:txBody>
           <a:bodyPr>
             <a:normAutofit/>
@@ -4783,7 +5682,7 @@
               <a:buChar char=""/>
             </a:pPr>
             <a:r>
-              <a:rPr lang="en-IN" sz="2800" dirty="0">
+              <a:rPr lang="en-IN" sz="2600" dirty="0">
                 <a:effectLst/>
                 <a:latin typeface="Times New Roman" panose="02020603050405020304" pitchFamily="18" charset="0"/>
                 <a:ea typeface="Calibri" panose="020F0502020204030204" pitchFamily="34" charset="0"/>
@@ -4791,7 +5690,7 @@
               </a:rPr>
               <a:t>Converting Video to audio files is a smart tool to extract audio from video files. </a:t>
             </a:r>
-            <a:endParaRPr lang="en-IN" sz="2800" dirty="0">
+            <a:endParaRPr lang="en-IN" sz="2600" dirty="0">
               <a:effectLst/>
               <a:latin typeface="Calibri" panose="020F0502020204030204" pitchFamily="34" charset="0"/>
               <a:ea typeface="Calibri" panose="020F0502020204030204" pitchFamily="34" charset="0"/>
@@ -4807,7 +5706,7 @@
               <a:buChar char=""/>
             </a:pPr>
             <a:r>
-              <a:rPr lang="en-IN" sz="2800" dirty="0">
+              <a:rPr lang="en-IN" sz="2600" dirty="0">
                 <a:effectLst/>
                 <a:latin typeface="Times New Roman" panose="02020603050405020304" pitchFamily="18" charset="0"/>
                 <a:ea typeface="Calibri" panose="020F0502020204030204" pitchFamily="34" charset="0"/>
@@ -4815,7 +5714,7 @@
               </a:rPr>
               <a:t>We will take you through a simple program to build a video to audio converter with Python programming language. </a:t>
             </a:r>
-            <a:endParaRPr lang="en-IN" sz="2800" dirty="0">
+            <a:endParaRPr lang="en-IN" sz="2600" dirty="0">
               <a:effectLst/>
               <a:latin typeface="Calibri" panose="020F0502020204030204" pitchFamily="34" charset="0"/>
               <a:ea typeface="Calibri" panose="020F0502020204030204" pitchFamily="34" charset="0"/>
@@ -4834,7 +5733,7 @@
               <a:buChar char=""/>
             </a:pPr>
             <a:r>
-              <a:rPr lang="en-IN" sz="2800" dirty="0">
+              <a:rPr lang="en-IN" sz="2600" dirty="0">
                 <a:effectLst/>
                 <a:latin typeface="Times New Roman" panose="02020603050405020304" pitchFamily="18" charset="0"/>
                 <a:ea typeface="Calibri" panose="020F0502020204030204" pitchFamily="34" charset="0"/>
@@ -4842,7 +5741,7 @@
               </a:rPr>
               <a:t>It is used to extract audio from the a desired video where in we are just interested in just audio.</a:t>
             </a:r>
-            <a:endParaRPr lang="en-IN" sz="2800" dirty="0">
+            <a:endParaRPr lang="en-IN" sz="2600" dirty="0">
               <a:effectLst/>
               <a:latin typeface="Calibri" panose="020F0502020204030204" pitchFamily="34" charset="0"/>
               <a:ea typeface="Calibri" panose="020F0502020204030204" pitchFamily="34" charset="0"/>
@@ -4850,26 +5749,24 @@
             </a:endParaRPr>
           </a:p>
           <a:p>
-            <a:pPr marL="228600" algn="just">
+            <a:pPr marL="45720" indent="0" algn="just">
               <a:lnSpc>
                 <a:spcPct val="107000"/>
               </a:lnSpc>
               <a:spcAft>
                 <a:spcPts val="800"/>
               </a:spcAft>
+              <a:buNone/>
             </a:pPr>
-            <a:r>
-              <a:rPr lang="en-IN" sz="2800" dirty="0">
-                <a:effectLst/>
-                <a:latin typeface="Calibri" panose="020F0502020204030204" pitchFamily="34" charset="0"/>
-                <a:ea typeface="Calibri" panose="020F0502020204030204" pitchFamily="34" charset="0"/>
-                <a:cs typeface="Times New Roman" panose="02020603050405020304" pitchFamily="18" charset="0"/>
-              </a:rPr>
-              <a:t> </a:t>
-            </a:r>
-          </a:p>
-          <a:p>
-            <a:endParaRPr lang="en-IN" sz="2800" dirty="0"/>
+            <a:endParaRPr lang="en-IN" sz="2600" dirty="0">
+              <a:effectLst/>
+              <a:latin typeface="Calibri" panose="020F0502020204030204" pitchFamily="34" charset="0"/>
+              <a:ea typeface="Calibri" panose="020F0502020204030204" pitchFamily="34" charset="0"/>
+              <a:cs typeface="Times New Roman" panose="02020603050405020304" pitchFamily="18" charset="0"/>
+            </a:endParaRPr>
+          </a:p>
+          <a:p>
+            <a:endParaRPr lang="en-IN" sz="2600" dirty="0"/>
           </a:p>
         </p:txBody>
       </p:sp>
@@ -5099,7 +5996,7 @@
               </a:spcAft>
             </a:pPr>
             <a:r>
-              <a:rPr lang="en-IN" sz="2800" b="1" spc="-5" dirty="0">
+              <a:rPr lang="en-IN" sz="2600" b="1" spc="-5" dirty="0">
                 <a:solidFill>
                   <a:srgbClr val="292929"/>
                 </a:solidFill>
@@ -5111,7 +6008,7 @@
               <a:t>1.MoviePy</a:t>
             </a:r>
             <a:r>
-              <a:rPr lang="en-IN" sz="2800" b="1" spc="-5" dirty="0">
+              <a:rPr lang="en-IN" sz="2600" b="1" spc="-5" dirty="0">
                 <a:solidFill>
                   <a:srgbClr val="292929"/>
                 </a:solidFill>
@@ -5123,7 +6020,7 @@
               <a:t> </a:t>
             </a:r>
             <a:r>
-              <a:rPr lang="en-IN" sz="2800" spc="-5" dirty="0">
+              <a:rPr lang="en-IN" sz="2600" spc="-5" dirty="0">
                 <a:solidFill>
                   <a:srgbClr val="292929"/>
                 </a:solidFill>
@@ -5134,7 +6031,7 @@
               </a:rPr>
               <a:t>is a library that can read and write all the most common audio and video formats.</a:t>
             </a:r>
-            <a:endParaRPr lang="en-IN" sz="2800" dirty="0">
+            <a:endParaRPr lang="en-IN" sz="2600" dirty="0">
               <a:effectLst/>
               <a:latin typeface="Calibri" panose="020F0502020204030204" pitchFamily="34" charset="0"/>
               <a:ea typeface="Calibri" panose="020F0502020204030204" pitchFamily="34" charset="0"/>
@@ -5151,7 +6048,7 @@
               </a:spcAft>
             </a:pPr>
             <a:r>
-              <a:rPr lang="en-IN" sz="2800" spc="-25" dirty="0">
+              <a:rPr lang="en-IN" sz="2600" spc="-25" dirty="0">
                 <a:solidFill>
                   <a:srgbClr val="292929"/>
                 </a:solidFill>
@@ -5163,7 +6060,7 @@
               <a:t>pip install </a:t>
             </a:r>
             <a:r>
-              <a:rPr lang="en-IN" sz="2800" spc="-25" dirty="0" err="1">
+              <a:rPr lang="en-IN" sz="2600" spc="-25" dirty="0" err="1">
                 <a:solidFill>
                   <a:srgbClr val="292929"/>
                 </a:solidFill>
@@ -5175,7 +6072,7 @@
               <a:t>SpeechRecognition</a:t>
             </a:r>
             <a:r>
-              <a:rPr lang="en-IN" sz="2800" spc="-25" dirty="0">
+              <a:rPr lang="en-IN" sz="2600" spc="-25" dirty="0">
                 <a:solidFill>
                   <a:srgbClr val="292929"/>
                 </a:solidFill>
@@ -5187,7 +6084,7 @@
               <a:t> </a:t>
             </a:r>
             <a:r>
-              <a:rPr lang="en-IN" sz="2800" spc="-25" dirty="0" err="1">
+              <a:rPr lang="en-IN" sz="2600" spc="-25" dirty="0" err="1">
                 <a:solidFill>
                   <a:srgbClr val="292929"/>
                 </a:solidFill>
@@ -5198,7 +6095,7 @@
               </a:rPr>
               <a:t>moviepy</a:t>
             </a:r>
-            <a:endParaRPr lang="en-IN" sz="2800" dirty="0">
+            <a:endParaRPr lang="en-IN" sz="2600" dirty="0">
               <a:effectLst/>
               <a:latin typeface="Calibri" panose="020F0502020204030204" pitchFamily="34" charset="0"/>
               <a:ea typeface="Calibri" panose="020F0502020204030204" pitchFamily="34" charset="0"/>
@@ -5215,7 +6112,7 @@
               </a:spcAft>
             </a:pPr>
             <a:r>
-              <a:rPr lang="en-IN" sz="2800" dirty="0">
+              <a:rPr lang="en-IN" sz="2600" dirty="0">
                 <a:effectLst/>
                 <a:latin typeface="Times New Roman" panose="02020603050405020304" pitchFamily="18" charset="0"/>
                 <a:ea typeface="Calibri" panose="020F0502020204030204" pitchFamily="34" charset="0"/>
@@ -5223,7 +6120,7 @@
               </a:rPr>
               <a:t>Here are some video formats:</a:t>
             </a:r>
-            <a:endParaRPr lang="en-IN" sz="2800" dirty="0">
+            <a:endParaRPr lang="en-IN" sz="2600" dirty="0">
               <a:effectLst/>
               <a:latin typeface="Calibri" panose="020F0502020204030204" pitchFamily="34" charset="0"/>
               <a:ea typeface="Calibri" panose="020F0502020204030204" pitchFamily="34" charset="0"/>
@@ -5246,7 +6143,7 @@
               </a:tabLst>
             </a:pPr>
             <a:r>
-              <a:rPr lang="en-IN" sz="2800" spc="-5" dirty="0">
+              <a:rPr lang="en-IN" sz="2600" spc="-5" dirty="0">
                 <a:solidFill>
                   <a:srgbClr val="292929"/>
                 </a:solidFill>
@@ -5256,7 +6153,7 @@
               </a:rPr>
               <a:t>MP4 (mp4, m4a, m4v, f4v, f4a, m4b, m4r, f4b, mov)</a:t>
             </a:r>
-            <a:endParaRPr lang="en-IN" sz="2800" dirty="0">
+            <a:endParaRPr lang="en-IN" sz="2600" dirty="0">
               <a:effectLst/>
               <a:latin typeface="Times New Roman" panose="02020603050405020304" pitchFamily="18" charset="0"/>
               <a:ea typeface="Times New Roman" panose="02020603050405020304" pitchFamily="18" charset="0"/>
@@ -5278,7 +6175,7 @@
               </a:tabLst>
             </a:pPr>
             <a:r>
-              <a:rPr lang="en-IN" sz="2800" spc="-5" dirty="0">
+              <a:rPr lang="en-IN" sz="2600" spc="-5" dirty="0">
                 <a:solidFill>
                   <a:srgbClr val="292929"/>
                 </a:solidFill>
@@ -5288,7 +6185,7 @@
               </a:rPr>
               <a:t>3GP (3gp, 3gp2, 3g2, 3gpp, 3gpp2)</a:t>
             </a:r>
-            <a:endParaRPr lang="en-IN" sz="2800" dirty="0">
+            <a:endParaRPr lang="en-IN" sz="2600" dirty="0">
               <a:effectLst/>
               <a:latin typeface="Times New Roman" panose="02020603050405020304" pitchFamily="18" charset="0"/>
               <a:ea typeface="Times New Roman" panose="02020603050405020304" pitchFamily="18" charset="0"/>
@@ -5310,7 +6207,7 @@
               </a:tabLst>
             </a:pPr>
             <a:r>
-              <a:rPr lang="en-IN" sz="2800" spc="-5" dirty="0">
+              <a:rPr lang="en-IN" sz="2600" spc="-5" dirty="0">
                 <a:solidFill>
                   <a:srgbClr val="292929"/>
                 </a:solidFill>
@@ -5321,7 +6218,7 @@
               <a:t>OGG (</a:t>
             </a:r>
             <a:r>
-              <a:rPr lang="en-IN" sz="2800" spc="-5" dirty="0" err="1">
+              <a:rPr lang="en-IN" sz="2600" spc="-5" dirty="0" err="1">
                 <a:solidFill>
                   <a:srgbClr val="292929"/>
                 </a:solidFill>
@@ -5332,7 +6229,7 @@
               <a:t>ogg</a:t>
             </a:r>
             <a:r>
-              <a:rPr lang="en-IN" sz="2800" spc="-5" dirty="0">
+              <a:rPr lang="en-IN" sz="2600" spc="-5" dirty="0">
                 <a:solidFill>
                   <a:srgbClr val="292929"/>
                 </a:solidFill>
@@ -5343,7 +6240,7 @@
               <a:t>, </a:t>
             </a:r>
             <a:r>
-              <a:rPr lang="en-IN" sz="2800" spc="-5" dirty="0" err="1">
+              <a:rPr lang="en-IN" sz="2600" spc="-5" dirty="0" err="1">
                 <a:solidFill>
                   <a:srgbClr val="292929"/>
                 </a:solidFill>
@@ -5354,7 +6251,7 @@
               <a:t>oga</a:t>
             </a:r>
             <a:r>
-              <a:rPr lang="en-IN" sz="2800" spc="-5" dirty="0">
+              <a:rPr lang="en-IN" sz="2600" spc="-5" dirty="0">
                 <a:solidFill>
                   <a:srgbClr val="292929"/>
                 </a:solidFill>
@@ -5365,7 +6262,7 @@
               <a:t>, </a:t>
             </a:r>
             <a:r>
-              <a:rPr lang="en-IN" sz="2800" spc="-5" dirty="0" err="1">
+              <a:rPr lang="en-IN" sz="2600" spc="-5" dirty="0" err="1">
                 <a:solidFill>
                   <a:srgbClr val="292929"/>
                 </a:solidFill>
@@ -5376,7 +6273,7 @@
               <a:t>ogv</a:t>
             </a:r>
             <a:r>
-              <a:rPr lang="en-IN" sz="2800" spc="-5" dirty="0">
+              <a:rPr lang="en-IN" sz="2600" spc="-5" dirty="0">
                 <a:solidFill>
                   <a:srgbClr val="292929"/>
                 </a:solidFill>
@@ -5387,7 +6284,7 @@
               <a:t>, </a:t>
             </a:r>
             <a:r>
-              <a:rPr lang="en-IN" sz="2800" spc="-5" dirty="0" err="1">
+              <a:rPr lang="en-IN" sz="2600" spc="-5" dirty="0" err="1">
                 <a:solidFill>
                   <a:srgbClr val="292929"/>
                 </a:solidFill>
@@ -5398,7 +6295,7 @@
               <a:t>ogx</a:t>
             </a:r>
             <a:r>
-              <a:rPr lang="en-IN" sz="2800" spc="-5" dirty="0">
+              <a:rPr lang="en-IN" sz="2600" spc="-5" dirty="0">
                 <a:solidFill>
                   <a:srgbClr val="292929"/>
                 </a:solidFill>
@@ -5408,7 +6305,7 @@
               </a:rPr>
               <a:t>)</a:t>
             </a:r>
-            <a:endParaRPr lang="en-IN" sz="2800" dirty="0">
+            <a:endParaRPr lang="en-IN" sz="2600" dirty="0">
               <a:effectLst/>
               <a:latin typeface="Times New Roman" panose="02020603050405020304" pitchFamily="18" charset="0"/>
               <a:ea typeface="Times New Roman" panose="02020603050405020304" pitchFamily="18" charset="0"/>
@@ -5430,7 +6327,7 @@
               </a:tabLst>
             </a:pPr>
             <a:r>
-              <a:rPr lang="en-IN" sz="2800" spc="-5" dirty="0">
+              <a:rPr lang="en-IN" sz="2600" spc="-5" dirty="0">
                 <a:solidFill>
                   <a:srgbClr val="292929"/>
                 </a:solidFill>
@@ -5441,7 +6338,7 @@
               <a:t>WMV (</a:t>
             </a:r>
             <a:r>
-              <a:rPr lang="en-IN" sz="2800" spc="-5" dirty="0" err="1">
+              <a:rPr lang="en-IN" sz="2600" spc="-5" dirty="0" err="1">
                 <a:solidFill>
                   <a:srgbClr val="292929"/>
                 </a:solidFill>
@@ -5452,7 +6349,7 @@
               <a:t>wmv</a:t>
             </a:r>
             <a:r>
-              <a:rPr lang="en-IN" sz="2800" spc="-5" dirty="0">
+              <a:rPr lang="en-IN" sz="2600" spc="-5" dirty="0">
                 <a:solidFill>
                   <a:srgbClr val="292929"/>
                 </a:solidFill>
@@ -5463,7 +6360,7 @@
               <a:t>, </a:t>
             </a:r>
             <a:r>
-              <a:rPr lang="en-IN" sz="2800" spc="-5" dirty="0" err="1">
+              <a:rPr lang="en-IN" sz="2600" spc="-5" dirty="0" err="1">
                 <a:solidFill>
                   <a:srgbClr val="292929"/>
                 </a:solidFill>
@@ -5474,7 +6371,7 @@
               <a:t>wma</a:t>
             </a:r>
             <a:r>
-              <a:rPr lang="en-IN" sz="2800" spc="-5" dirty="0">
+              <a:rPr lang="en-IN" sz="2600" spc="-5" dirty="0">
                 <a:solidFill>
                   <a:srgbClr val="292929"/>
                 </a:solidFill>
@@ -5485,7 +6382,7 @@
               <a:t>, </a:t>
             </a:r>
             <a:r>
-              <a:rPr lang="en-IN" sz="2800" spc="-5" dirty="0" err="1">
+              <a:rPr lang="en-IN" sz="2600" spc="-5" dirty="0" err="1">
                 <a:solidFill>
                   <a:srgbClr val="292929"/>
                 </a:solidFill>
@@ -5496,7 +6393,7 @@
               <a:t>asf</a:t>
             </a:r>
             <a:r>
-              <a:rPr lang="en-IN" sz="2800" spc="-5" dirty="0">
+              <a:rPr lang="en-IN" sz="2600" spc="-5" dirty="0">
                 <a:solidFill>
                   <a:srgbClr val="292929"/>
                 </a:solidFill>
@@ -5507,7 +6404,7 @@
               <a:t>*)</a:t>
             </a:r>
             <a:r>
-              <a:rPr lang="en-IN" sz="2800" dirty="0">
+              <a:rPr lang="en-IN" sz="2600" dirty="0">
                 <a:effectLst/>
                 <a:latin typeface="Times New Roman" panose="02020603050405020304" pitchFamily="18" charset="0"/>
                 <a:ea typeface="Calibri" panose="020F0502020204030204" pitchFamily="34" charset="0"/>
@@ -5515,7 +6412,7 @@
               </a:rPr>
               <a:t> </a:t>
             </a:r>
-            <a:endParaRPr lang="en-IN" sz="2800" dirty="0">
+            <a:endParaRPr lang="en-IN" sz="2600" dirty="0">
               <a:effectLst/>
               <a:latin typeface="Calibri" panose="020F0502020204030204" pitchFamily="34" charset="0"/>
               <a:ea typeface="Calibri" panose="020F0502020204030204" pitchFamily="34" charset="0"/>
@@ -5523,7 +6420,7 @@
             </a:endParaRPr>
           </a:p>
           <a:p>
-            <a:endParaRPr lang="en-IN" sz="2000" dirty="0"/>
+            <a:endParaRPr lang="en-IN" sz="2600" dirty="0"/>
           </a:p>
         </p:txBody>
       </p:sp>
@@ -5594,7 +6491,7 @@
               </a:spcAft>
             </a:pPr>
             <a:r>
-              <a:rPr lang="en-IN" sz="2800" dirty="0">
+              <a:rPr lang="en-IN" sz="2600" dirty="0">
                 <a:effectLst/>
                 <a:latin typeface="Times New Roman" panose="02020603050405020304" pitchFamily="18" charset="0"/>
                 <a:ea typeface="Calibri" panose="020F0502020204030204" pitchFamily="34" charset="0"/>
@@ -5602,7 +6499,7 @@
               </a:rPr>
               <a:t>Here are some audio formats:</a:t>
             </a:r>
-            <a:endParaRPr lang="en-IN" sz="2800" dirty="0">
+            <a:endParaRPr lang="en-IN" sz="2600" dirty="0">
               <a:effectLst/>
               <a:latin typeface="Calibri" panose="020F0502020204030204" pitchFamily="34" charset="0"/>
               <a:ea typeface="Calibri" panose="020F0502020204030204" pitchFamily="34" charset="0"/>
@@ -5628,7 +6525,7 @@
               </a:tabLst>
             </a:pPr>
             <a:r>
-              <a:rPr lang="en-IN" sz="2800" spc="-5" dirty="0">
+              <a:rPr lang="en-IN" sz="2600" spc="-5" dirty="0">
                 <a:solidFill>
                   <a:srgbClr val="292929"/>
                 </a:solidFill>
@@ -5639,7 +6536,7 @@
               </a:rPr>
               <a:t>MP3</a:t>
             </a:r>
-            <a:endParaRPr lang="en-IN" sz="2800" dirty="0">
+            <a:endParaRPr lang="en-IN" sz="2600" dirty="0">
               <a:effectLst/>
               <a:latin typeface="Calibri" panose="020F0502020204030204" pitchFamily="34" charset="0"/>
               <a:ea typeface="Calibri" panose="020F0502020204030204" pitchFamily="34" charset="0"/>
@@ -5665,7 +6562,7 @@
               </a:tabLst>
             </a:pPr>
             <a:r>
-              <a:rPr lang="en-IN" sz="2800" spc="-5" dirty="0">
+              <a:rPr lang="en-IN" sz="2600" spc="-5" dirty="0">
                 <a:solidFill>
                   <a:srgbClr val="292929"/>
                 </a:solidFill>
@@ -5676,7 +6573,7 @@
               </a:rPr>
               <a:t>AAC</a:t>
             </a:r>
-            <a:endParaRPr lang="en-IN" sz="2800" dirty="0">
+            <a:endParaRPr lang="en-IN" sz="2600" dirty="0">
               <a:effectLst/>
               <a:latin typeface="Calibri" panose="020F0502020204030204" pitchFamily="34" charset="0"/>
               <a:ea typeface="Calibri" panose="020F0502020204030204" pitchFamily="34" charset="0"/>
@@ -5702,7 +6599,7 @@
               </a:tabLst>
             </a:pPr>
             <a:r>
-              <a:rPr lang="en-IN" sz="2800" spc="-5" dirty="0">
+              <a:rPr lang="en-IN" sz="2600" spc="-5" dirty="0">
                 <a:solidFill>
                   <a:srgbClr val="292929"/>
                 </a:solidFill>
@@ -5713,7 +6610,7 @@
               </a:rPr>
               <a:t>WMA</a:t>
             </a:r>
-            <a:endParaRPr lang="en-IN" sz="2800" dirty="0">
+            <a:endParaRPr lang="en-IN" sz="2600" dirty="0">
               <a:effectLst/>
               <a:latin typeface="Calibri" panose="020F0502020204030204" pitchFamily="34" charset="0"/>
               <a:ea typeface="Calibri" panose="020F0502020204030204" pitchFamily="34" charset="0"/>
@@ -5739,7 +6636,7 @@
               </a:tabLst>
             </a:pPr>
             <a:r>
-              <a:rPr lang="en-IN" sz="2800" spc="-5" dirty="0">
+              <a:rPr lang="en-IN" sz="2600" spc="-5" dirty="0">
                 <a:solidFill>
                   <a:srgbClr val="292929"/>
                 </a:solidFill>
@@ -5750,7 +6647,7 @@
               </a:rPr>
               <a:t>AC3 (Dolby Digital)</a:t>
             </a:r>
-            <a:endParaRPr lang="en-IN" sz="2800" dirty="0">
+            <a:endParaRPr lang="en-IN" sz="2600" dirty="0">
               <a:effectLst/>
               <a:latin typeface="Calibri" panose="020F0502020204030204" pitchFamily="34" charset="0"/>
               <a:ea typeface="Calibri" panose="020F0502020204030204" pitchFamily="34" charset="0"/>
@@ -5758,24 +6655,16 @@
             </a:endParaRPr>
           </a:p>
           <a:p>
-            <a:pPr marL="228600" algn="just">
+            <a:pPr marL="45720" indent="0" algn="just">
               <a:lnSpc>
                 <a:spcPct val="107000"/>
               </a:lnSpc>
               <a:spcAft>
                 <a:spcPts val="800"/>
               </a:spcAft>
+              <a:buNone/>
             </a:pPr>
-            <a:r>
-              <a:rPr lang="en-IN" sz="2800" dirty="0">
-                <a:effectLst/>
-                <a:latin typeface="Calibri" panose="020F0502020204030204" pitchFamily="34" charset="0"/>
-                <a:ea typeface="Calibri" panose="020F0502020204030204" pitchFamily="34" charset="0"/>
-                <a:cs typeface="Calibri" panose="020F0502020204030204" pitchFamily="34" charset="0"/>
-              </a:rPr>
-              <a:t> </a:t>
-            </a:r>
-            <a:endParaRPr lang="en-IN" sz="2800" dirty="0">
+            <a:endParaRPr lang="en-IN" sz="2600" dirty="0">
               <a:effectLst/>
               <a:latin typeface="Calibri" panose="020F0502020204030204" pitchFamily="34" charset="0"/>
               <a:ea typeface="Calibri" panose="020F0502020204030204" pitchFamily="34" charset="0"/>
@@ -5783,7 +6672,7 @@
             </a:endParaRPr>
           </a:p>
           <a:p>
-            <a:endParaRPr lang="en-IN" sz="2800" dirty="0"/>
+            <a:endParaRPr lang="en-IN" sz="2600" dirty="0"/>
           </a:p>
         </p:txBody>
       </p:sp>
@@ -5822,7 +6711,7 @@
           <p:cNvPr id="2" name="Title 1">
             <a:extLst>
               <a:ext uri="{FF2B5EF4-FFF2-40B4-BE49-F238E27FC236}">
-                <a16:creationId xmlns:a16="http://schemas.microsoft.com/office/drawing/2014/main" id="{66BCE019-9C1F-4500-9558-193A93D12F1B}"/>
+                <a16:creationId xmlns:a16="http://schemas.microsoft.com/office/drawing/2014/main" id="{A17F50BE-1D3C-4ECB-A177-9E15DA2451DB}"/>
               </a:ext>
             </a:extLst>
           </p:cNvPr>
@@ -5833,116 +6722,57 @@
             <p:ph type="title"/>
           </p:nvPr>
         </p:nvSpPr>
-        <p:spPr/>
-        <p:txBody>
-          <a:bodyPr>
-            <a:normAutofit fontScale="90000"/>
-          </a:bodyPr>
+        <p:spPr>
+          <a:xfrm>
+            <a:off x="224118" y="80682"/>
+            <a:ext cx="10901082" cy="1048871"/>
+          </a:xfrm>
+        </p:spPr>
+        <p:txBody>
+          <a:bodyPr/>
           <a:lstStyle/>
           <a:p>
             <a:r>
-              <a:rPr lang="en-IN" dirty="0">
-                <a:effectLst/>
-                <a:latin typeface="Calibri" panose="020F0502020204030204" pitchFamily="34" charset="0"/>
-                <a:ea typeface="Calibri" panose="020F0502020204030204" pitchFamily="34" charset="0"/>
-                <a:cs typeface="Calibri" panose="020F0502020204030204" pitchFamily="34" charset="0"/>
-              </a:rPr>
-              <a:t>RESULT:</a:t>
-            </a:r>
-            <a:br>
-              <a:rPr lang="en-IN" sz="1800" dirty="0">
-                <a:effectLst/>
-                <a:latin typeface="Calibri" panose="020F0502020204030204" pitchFamily="34" charset="0"/>
-                <a:ea typeface="Calibri" panose="020F0502020204030204" pitchFamily="34" charset="0"/>
-                <a:cs typeface="Times New Roman" panose="02020603050405020304" pitchFamily="18" charset="0"/>
-              </a:rPr>
-            </a:br>
-            <a:endParaRPr lang="en-IN" dirty="0"/>
-          </a:p>
-        </p:txBody>
-      </p:sp>
-      <p:sp>
-        <p:nvSpPr>
-          <p:cNvPr id="3" name="Content Placeholder 2">
+              <a:rPr lang="en-IN" dirty="0"/>
+              <a:t>FLOWCHART</a:t>
+            </a:r>
+          </a:p>
+        </p:txBody>
+      </p:sp>
+      <p:pic>
+        <p:nvPicPr>
+          <p:cNvPr id="7" name="Picture 6">
             <a:extLst>
               <a:ext uri="{FF2B5EF4-FFF2-40B4-BE49-F238E27FC236}">
-                <a16:creationId xmlns:a16="http://schemas.microsoft.com/office/drawing/2014/main" id="{7D1B06DC-36E4-4681-9EE8-1240BBA3A63F}"/>
+                <a16:creationId xmlns:a16="http://schemas.microsoft.com/office/drawing/2014/main" id="{8C8F3D74-9FBB-49DC-A444-A6B8745DDAA7}"/>
               </a:ext>
             </a:extLst>
           </p:cNvPr>
-          <p:cNvSpPr>
-            <a:spLocks noGrp="1"/>
-          </p:cNvSpPr>
-          <p:nvPr>
-            <p:ph idx="1"/>
-          </p:nvPr>
-        </p:nvSpPr>
-        <p:spPr/>
-        <p:txBody>
-          <a:bodyPr>
-            <a:normAutofit/>
-          </a:bodyPr>
-          <a:lstStyle/>
-          <a:p>
-            <a:pPr marL="342900" lvl="0" indent="-342900" algn="just">
-              <a:lnSpc>
-                <a:spcPct val="107000"/>
-              </a:lnSpc>
-              <a:buFont typeface="Symbol" panose="05050102010706020507" pitchFamily="18" charset="2"/>
-              <a:buChar char=""/>
-            </a:pPr>
-            <a:r>
-              <a:rPr lang="en-IN" sz="2800" dirty="0">
-                <a:effectLst/>
-                <a:latin typeface="Times New Roman" panose="02020603050405020304" pitchFamily="18" charset="0"/>
-                <a:ea typeface="Calibri" panose="020F0502020204030204" pitchFamily="34" charset="0"/>
-                <a:cs typeface="Times New Roman" panose="02020603050405020304" pitchFamily="18" charset="0"/>
-              </a:rPr>
-              <a:t>Thus, by following the above technique, we can convert a mp4 file into an mp3 file.</a:t>
-            </a:r>
-            <a:endParaRPr lang="en-IN" sz="2800" dirty="0">
-              <a:effectLst/>
-              <a:latin typeface="Calibri" panose="020F0502020204030204" pitchFamily="34" charset="0"/>
-              <a:ea typeface="Calibri" panose="020F0502020204030204" pitchFamily="34" charset="0"/>
-              <a:cs typeface="Times New Roman" panose="02020603050405020304" pitchFamily="18" charset="0"/>
-            </a:endParaRPr>
-          </a:p>
-          <a:p>
-            <a:pPr marL="342900" lvl="0" indent="-342900" algn="just">
-              <a:lnSpc>
-                <a:spcPct val="107000"/>
-              </a:lnSpc>
-              <a:spcAft>
-                <a:spcPts val="800"/>
-              </a:spcAft>
-              <a:buFont typeface="Symbol" panose="05050102010706020507" pitchFamily="18" charset="2"/>
-              <a:buChar char=""/>
-            </a:pPr>
-            <a:r>
-              <a:rPr lang="en-IN" sz="2800" dirty="0">
-                <a:effectLst/>
-                <a:latin typeface="Times New Roman" panose="02020603050405020304" pitchFamily="18" charset="0"/>
-                <a:ea typeface="Calibri" panose="020F0502020204030204" pitchFamily="34" charset="0"/>
-                <a:cs typeface="Times New Roman" panose="02020603050405020304" pitchFamily="18" charset="0"/>
-              </a:rPr>
-              <a:t>In the cases where we will need only the audio in the video files, we can use this technique to extract and save the audio file, which will help in saving the memory too.</a:t>
-            </a:r>
-            <a:endParaRPr lang="en-IN" sz="2800" dirty="0">
-              <a:effectLst/>
-              <a:latin typeface="Calibri" panose="020F0502020204030204" pitchFamily="34" charset="0"/>
-              <a:ea typeface="Calibri" panose="020F0502020204030204" pitchFamily="34" charset="0"/>
-              <a:cs typeface="Times New Roman" panose="02020603050405020304" pitchFamily="18" charset="0"/>
-            </a:endParaRPr>
-          </a:p>
-          <a:p>
-            <a:endParaRPr lang="en-IN" sz="2800" dirty="0"/>
-          </a:p>
-        </p:txBody>
-      </p:sp>
+          <p:cNvPicPr>
+            <a:picLocks noChangeAspect="1"/>
+          </p:cNvPicPr>
+          <p:nvPr/>
+        </p:nvPicPr>
+        <p:blipFill>
+          <a:blip r:embed="rId2"/>
+          <a:stretch>
+            <a:fillRect/>
+          </a:stretch>
+        </p:blipFill>
+        <p:spPr>
+          <a:xfrm>
+            <a:off x="2838450" y="1066800"/>
+            <a:ext cx="6515100" cy="5567082"/>
+          </a:xfrm>
+          <a:prstGeom prst="rect">
+            <a:avLst/>
+          </a:prstGeom>
+        </p:spPr>
+      </p:pic>
     </p:spTree>
     <p:extLst>
       <p:ext uri="{BB962C8B-B14F-4D97-AF65-F5344CB8AC3E}">
-        <p14:creationId xmlns:p14="http://schemas.microsoft.com/office/powerpoint/2010/main" val="154401017"/>
+        <p14:creationId xmlns:p14="http://schemas.microsoft.com/office/powerpoint/2010/main" val="2845701344"/>
       </p:ext>
     </p:extLst>
   </p:cSld>
@@ -5974,7 +6804,7 @@
           <p:cNvPr id="2" name="Title 1">
             <a:extLst>
               <a:ext uri="{FF2B5EF4-FFF2-40B4-BE49-F238E27FC236}">
-                <a16:creationId xmlns:a16="http://schemas.microsoft.com/office/drawing/2014/main" id="{978CF046-2DDA-47A1-8804-7043454892C6}"/>
+                <a16:creationId xmlns:a16="http://schemas.microsoft.com/office/drawing/2014/main" id="{44588E4F-EDA6-4368-A63C-36583D034D43}"/>
               </a:ext>
             </a:extLst>
           </p:cNvPr>
@@ -5985,149 +6815,89 @@
             <p:ph type="title"/>
           </p:nvPr>
         </p:nvSpPr>
-        <p:spPr/>
+        <p:spPr>
+          <a:xfrm>
+            <a:off x="313765" y="179294"/>
+            <a:ext cx="10811435" cy="643666"/>
+          </a:xfrm>
+        </p:spPr>
         <p:txBody>
           <a:bodyPr>
-            <a:noAutofit/>
+            <a:normAutofit fontScale="90000"/>
           </a:bodyPr>
           <a:lstStyle/>
           <a:p>
             <a:r>
-              <a:rPr lang="en-IN" dirty="0">
-                <a:effectLst/>
-                <a:latin typeface="Calibri" panose="020F0502020204030204" pitchFamily="34" charset="0"/>
-                <a:ea typeface="Calibri" panose="020F0502020204030204" pitchFamily="34" charset="0"/>
-                <a:cs typeface="Calibri" panose="020F0502020204030204" pitchFamily="34" charset="0"/>
-              </a:rPr>
-              <a:t> CONCLUSION:</a:t>
-            </a:r>
-            <a:br>
-              <a:rPr lang="en-IN" dirty="0">
-                <a:effectLst/>
-                <a:latin typeface="Calibri" panose="020F0502020204030204" pitchFamily="34" charset="0"/>
-                <a:ea typeface="Calibri" panose="020F0502020204030204" pitchFamily="34" charset="0"/>
-                <a:cs typeface="Times New Roman" panose="02020603050405020304" pitchFamily="18" charset="0"/>
-              </a:rPr>
-            </a:br>
-            <a:endParaRPr lang="en-IN" dirty="0"/>
-          </a:p>
-        </p:txBody>
-      </p:sp>
-      <p:sp>
-        <p:nvSpPr>
-          <p:cNvPr id="3" name="Content Placeholder 2">
+              <a:rPr lang="en-IN" dirty="0"/>
+              <a:t>GITHUB COMMITS</a:t>
+            </a:r>
+          </a:p>
+        </p:txBody>
+      </p:sp>
+      <p:pic>
+        <p:nvPicPr>
+          <p:cNvPr id="5" name="Picture 4">
             <a:extLst>
               <a:ext uri="{FF2B5EF4-FFF2-40B4-BE49-F238E27FC236}">
-                <a16:creationId xmlns:a16="http://schemas.microsoft.com/office/drawing/2014/main" id="{D1BFCAB3-915E-4B44-BEB7-09FE31553A12}"/>
+                <a16:creationId xmlns:a16="http://schemas.microsoft.com/office/drawing/2014/main" id="{087DB94F-2E8E-4C98-923C-99AC6892968A}"/>
               </a:ext>
             </a:extLst>
           </p:cNvPr>
-          <p:cNvSpPr>
-            <a:spLocks noGrp="1"/>
-          </p:cNvSpPr>
-          <p:nvPr>
-            <p:ph idx="1"/>
-          </p:nvPr>
-        </p:nvSpPr>
-        <p:spPr/>
-        <p:txBody>
-          <a:bodyPr>
-            <a:noAutofit/>
-          </a:bodyPr>
-          <a:lstStyle/>
-          <a:p>
-            <a:pPr marL="342900" lvl="0" indent="-342900" algn="just">
-              <a:lnSpc>
-                <a:spcPct val="107000"/>
-              </a:lnSpc>
-              <a:buFont typeface="Symbol" panose="05050102010706020507" pitchFamily="18" charset="2"/>
-              <a:buChar char=""/>
-            </a:pPr>
-            <a:r>
-              <a:rPr lang="en-IN" sz="2800" dirty="0">
-                <a:solidFill>
-                  <a:srgbClr val="000000"/>
-                </a:solidFill>
-                <a:effectLst/>
-                <a:latin typeface="Times New Roman" panose="02020603050405020304" pitchFamily="18" charset="0"/>
-                <a:ea typeface="Calibri" panose="020F0502020204030204" pitchFamily="34" charset="0"/>
-                <a:cs typeface="Times New Roman" panose="02020603050405020304" pitchFamily="18" charset="0"/>
-              </a:rPr>
-              <a:t>Converting a video to audio has many advantages and is very useful in our amateur learning. The above-mentioned technique can be used in achieving this.</a:t>
-            </a:r>
-            <a:endParaRPr lang="en-IN" sz="2800" dirty="0">
-              <a:effectLst/>
-              <a:latin typeface="Calibri" panose="020F0502020204030204" pitchFamily="34" charset="0"/>
-              <a:ea typeface="Calibri" panose="020F0502020204030204" pitchFamily="34" charset="0"/>
-              <a:cs typeface="Times New Roman" panose="02020603050405020304" pitchFamily="18" charset="0"/>
-            </a:endParaRPr>
-          </a:p>
-          <a:p>
-            <a:pPr marL="342900" lvl="0" indent="-342900" algn="just">
-              <a:lnSpc>
-                <a:spcPct val="107000"/>
-              </a:lnSpc>
-              <a:buFont typeface="Symbol" panose="05050102010706020507" pitchFamily="18" charset="2"/>
-              <a:buChar char=""/>
-            </a:pPr>
-            <a:r>
-              <a:rPr lang="en-IN" sz="2800" dirty="0">
-                <a:solidFill>
-                  <a:srgbClr val="000000"/>
-                </a:solidFill>
-                <a:effectLst/>
-                <a:latin typeface="Times New Roman" panose="02020603050405020304" pitchFamily="18" charset="0"/>
-                <a:ea typeface="Calibri" panose="020F0502020204030204" pitchFamily="34" charset="0"/>
-                <a:cs typeface="Times New Roman" panose="02020603050405020304" pitchFamily="18" charset="0"/>
-              </a:rPr>
-              <a:t>But when you want to convert some videos containing sensitive information, desktop applications that can work without a network would be a better choice. </a:t>
-            </a:r>
-            <a:endParaRPr lang="en-IN" sz="2800" dirty="0">
-              <a:effectLst/>
-              <a:latin typeface="Calibri" panose="020F0502020204030204" pitchFamily="34" charset="0"/>
-              <a:ea typeface="Calibri" panose="020F0502020204030204" pitchFamily="34" charset="0"/>
-              <a:cs typeface="Times New Roman" panose="02020603050405020304" pitchFamily="18" charset="0"/>
-            </a:endParaRPr>
-          </a:p>
-          <a:p>
-            <a:pPr marL="342900" lvl="0" indent="-342900" algn="just">
-              <a:lnSpc>
-                <a:spcPct val="107000"/>
-              </a:lnSpc>
-              <a:spcAft>
-                <a:spcPts val="800"/>
-              </a:spcAft>
-              <a:buFont typeface="Symbol" panose="05050102010706020507" pitchFamily="18" charset="2"/>
-              <a:buChar char=""/>
-            </a:pPr>
-            <a:r>
-              <a:rPr lang="en-IN" sz="2800" dirty="0">
-                <a:solidFill>
-                  <a:srgbClr val="000000"/>
-                </a:solidFill>
-                <a:effectLst/>
-                <a:latin typeface="Times New Roman" panose="02020603050405020304" pitchFamily="18" charset="0"/>
-                <a:ea typeface="Calibri" panose="020F0502020204030204" pitchFamily="34" charset="0"/>
-                <a:cs typeface="Times New Roman" panose="02020603050405020304" pitchFamily="18" charset="0"/>
-              </a:rPr>
-              <a:t>It will not upload your videos to its service and change the file format by offline transcoding.</a:t>
-            </a:r>
-            <a:endParaRPr lang="en-IN" sz="2800" dirty="0">
-              <a:effectLst/>
-              <a:latin typeface="Calibri" panose="020F0502020204030204" pitchFamily="34" charset="0"/>
-              <a:ea typeface="Calibri" panose="020F0502020204030204" pitchFamily="34" charset="0"/>
-              <a:cs typeface="Times New Roman" panose="02020603050405020304" pitchFamily="18" charset="0"/>
-            </a:endParaRPr>
-          </a:p>
-          <a:p>
-            <a:endParaRPr lang="en-IN" sz="2800" dirty="0"/>
-          </a:p>
-        </p:txBody>
-      </p:sp>
+          <p:cNvPicPr>
+            <a:picLocks noChangeAspect="1"/>
+          </p:cNvPicPr>
+          <p:nvPr/>
+        </p:nvPicPr>
+        <p:blipFill>
+          <a:blip r:embed="rId2"/>
+          <a:stretch>
+            <a:fillRect/>
+          </a:stretch>
+        </p:blipFill>
+        <p:spPr>
+          <a:xfrm>
+            <a:off x="233083" y="1111624"/>
+            <a:ext cx="5748617" cy="5060813"/>
+          </a:xfrm>
+          <a:prstGeom prst="rect">
+            <a:avLst/>
+          </a:prstGeom>
+        </p:spPr>
+      </p:pic>
+      <p:pic>
+        <p:nvPicPr>
+          <p:cNvPr id="7" name="Picture 6">
+            <a:extLst>
+              <a:ext uri="{FF2B5EF4-FFF2-40B4-BE49-F238E27FC236}">
+                <a16:creationId xmlns:a16="http://schemas.microsoft.com/office/drawing/2014/main" id="{C6C7CACA-ABD9-4D16-AEEE-23E11FAA3FF3}"/>
+              </a:ext>
+            </a:extLst>
+          </p:cNvPr>
+          <p:cNvPicPr>
+            <a:picLocks noChangeAspect="1"/>
+          </p:cNvPicPr>
+          <p:nvPr/>
+        </p:nvPicPr>
+        <p:blipFill>
+          <a:blip r:embed="rId3"/>
+          <a:stretch>
+            <a:fillRect/>
+          </a:stretch>
+        </p:blipFill>
+        <p:spPr>
+          <a:xfrm>
+            <a:off x="6096000" y="1111624"/>
+            <a:ext cx="5748616" cy="5060813"/>
+          </a:xfrm>
+          <a:prstGeom prst="rect">
+            <a:avLst/>
+          </a:prstGeom>
+        </p:spPr>
+      </p:pic>
     </p:spTree>
     <p:extLst>
       <p:ext uri="{BB962C8B-B14F-4D97-AF65-F5344CB8AC3E}">
-        <p14:creationId xmlns:p14="http://schemas.microsoft.com/office/powerpoint/2010/main" val="1725094770"/>
+        <p14:creationId xmlns:p14="http://schemas.microsoft.com/office/powerpoint/2010/main" val="4292792729"/>
       </p:ext>
     </p:extLst>
   </p:cSld>
@@ -6154,39 +6924,70 @@
           <a:chExt cx="0" cy="0"/>
         </a:xfrm>
       </p:grpSpPr>
-      <p:sp>
-        <p:nvSpPr>
-          <p:cNvPr id="2" name="Title 1">
+      <p:pic>
+        <p:nvPicPr>
+          <p:cNvPr id="5" name="Picture 4">
             <a:extLst>
               <a:ext uri="{FF2B5EF4-FFF2-40B4-BE49-F238E27FC236}">
-                <a16:creationId xmlns:a16="http://schemas.microsoft.com/office/drawing/2014/main" id="{ABC3344F-E1D6-4B1E-92F0-2402EE5F7597}"/>
+                <a16:creationId xmlns:a16="http://schemas.microsoft.com/office/drawing/2014/main" id="{526150B3-8DE9-4EC6-B9F1-FBA800D9F0F6}"/>
               </a:ext>
             </a:extLst>
           </p:cNvPr>
-          <p:cNvSpPr>
-            <a:spLocks noGrp="1"/>
-          </p:cNvSpPr>
-          <p:nvPr>
-            <p:ph type="ctrTitle"/>
-          </p:nvPr>
-        </p:nvSpPr>
-        <p:spPr/>
-        <p:txBody>
-          <a:bodyPr/>
-          <a:lstStyle/>
-          <a:p>
-            <a:r>
-              <a:rPr lang="en-US" dirty="0"/>
-              <a:t>thankyou</a:t>
-            </a:r>
-            <a:endParaRPr lang="en-IN" dirty="0"/>
-          </a:p>
-        </p:txBody>
-      </p:sp>
+          <p:cNvPicPr>
+            <a:picLocks noChangeAspect="1"/>
+          </p:cNvPicPr>
+          <p:nvPr/>
+        </p:nvPicPr>
+        <p:blipFill>
+          <a:blip r:embed="rId2"/>
+          <a:stretch>
+            <a:fillRect/>
+          </a:stretch>
+        </p:blipFill>
+        <p:spPr>
+          <a:xfrm>
+            <a:off x="251037" y="548402"/>
+            <a:ext cx="5631603" cy="5486875"/>
+          </a:xfrm>
+          <a:prstGeom prst="rect">
+            <a:avLst/>
+          </a:prstGeom>
+        </p:spPr>
+      </p:pic>
+      <p:pic>
+        <p:nvPicPr>
+          <p:cNvPr id="7" name="Picture 6">
+            <a:extLst>
+              <a:ext uri="{FF2B5EF4-FFF2-40B4-BE49-F238E27FC236}">
+                <a16:creationId xmlns:a16="http://schemas.microsoft.com/office/drawing/2014/main" id="{FA6F04CB-02B0-4FD0-BAE8-F6DA709046D7}"/>
+              </a:ext>
+            </a:extLst>
+          </p:cNvPr>
+          <p:cNvPicPr>
+            <a:picLocks noChangeAspect="1"/>
+          </p:cNvPicPr>
+          <p:nvPr/>
+        </p:nvPicPr>
+        <p:blipFill>
+          <a:blip r:embed="rId3"/>
+          <a:stretch>
+            <a:fillRect/>
+          </a:stretch>
+        </p:blipFill>
+        <p:spPr>
+          <a:xfrm>
+            <a:off x="5958840" y="548402"/>
+            <a:ext cx="5882640" cy="5486875"/>
+          </a:xfrm>
+          <a:prstGeom prst="rect">
+            <a:avLst/>
+          </a:prstGeom>
+        </p:spPr>
+      </p:pic>
     </p:spTree>
     <p:extLst>
       <p:ext uri="{BB962C8B-B14F-4D97-AF65-F5344CB8AC3E}">
-        <p14:creationId xmlns:p14="http://schemas.microsoft.com/office/powerpoint/2010/main" val="134313872"/>
+        <p14:creationId xmlns:p14="http://schemas.microsoft.com/office/powerpoint/2010/main" val="624700507"/>
       </p:ext>
     </p:extLst>
   </p:cSld>

--- a/VIDEO TO AUDIO CONVERTER.pptx
+++ b/VIDEO TO AUDIO CONVERTER.pptx
@@ -15,14 +15,13 @@
     <p:sldId id="268" r:id="rId9"/>
     <p:sldId id="269" r:id="rId10"/>
     <p:sldId id="270" r:id="rId11"/>
-    <p:sldId id="271" r:id="rId12"/>
-    <p:sldId id="272" r:id="rId13"/>
-    <p:sldId id="273" r:id="rId14"/>
-    <p:sldId id="274" r:id="rId15"/>
-    <p:sldId id="275" r:id="rId16"/>
-    <p:sldId id="263" r:id="rId17"/>
-    <p:sldId id="264" r:id="rId18"/>
-    <p:sldId id="266" r:id="rId19"/>
+    <p:sldId id="274" r:id="rId12"/>
+    <p:sldId id="271" r:id="rId13"/>
+    <p:sldId id="272" r:id="rId14"/>
+    <p:sldId id="273" r:id="rId15"/>
+    <p:sldId id="263" r:id="rId16"/>
+    <p:sldId id="264" r:id="rId17"/>
+    <p:sldId id="266" r:id="rId18"/>
   </p:sldIdLst>
   <p:sldSz cx="12192000" cy="6858000"/>
   <p:notesSz cx="6858000" cy="9144000"/>
@@ -127,6 +126,65 @@
     </p:ext>
   </p:extLst>
 </p:presentation>
+</file>
+
+<file path=ppt/changesInfos/changesInfo1.xml><?xml version="1.0" encoding="utf-8"?>
+<pc:chgInfo xmlns:a="http://schemas.openxmlformats.org/drawingml/2006/main" xmlns:r="http://schemas.openxmlformats.org/officeDocument/2006/relationships" xmlns:ac="http://schemas.microsoft.com/office/drawing/2013/main/command" xmlns:pc="http://schemas.microsoft.com/office/powerpoint/2013/main/command">
+  <pc:docChgLst>
+    <pc:chgData name="vivekvardhanreddy1207@outlook.com" userId="2479389ccf14a5a5" providerId="LiveId" clId="{E5536F85-8F7C-4A98-81EF-BB698282D71E}"/>
+    <pc:docChg chg="custSel delSld modSld sldOrd">
+      <pc:chgData name="vivekvardhanreddy1207@outlook.com" userId="2479389ccf14a5a5" providerId="LiveId" clId="{E5536F85-8F7C-4A98-81EF-BB698282D71E}" dt="2022-04-04T03:33:41.479" v="58" actId="2696"/>
+      <pc:docMkLst>
+        <pc:docMk/>
+      </pc:docMkLst>
+      <pc:sldChg chg="modSp mod">
+        <pc:chgData name="vivekvardhanreddy1207@outlook.com" userId="2479389ccf14a5a5" providerId="LiveId" clId="{E5536F85-8F7C-4A98-81EF-BB698282D71E}" dt="2022-04-04T03:25:22.251" v="32" actId="20577"/>
+        <pc:sldMkLst>
+          <pc:docMk/>
+          <pc:sldMk cId="1444502827" sldId="270"/>
+        </pc:sldMkLst>
+        <pc:spChg chg="mod">
+          <ac:chgData name="vivekvardhanreddy1207@outlook.com" userId="2479389ccf14a5a5" providerId="LiveId" clId="{E5536F85-8F7C-4A98-81EF-BB698282D71E}" dt="2022-04-04T03:25:22.251" v="32" actId="20577"/>
+          <ac:spMkLst>
+            <pc:docMk/>
+            <pc:sldMk cId="1444502827" sldId="270"/>
+            <ac:spMk id="2" creationId="{CBADCC89-3982-4E2E-A9EC-F03E462C0A89}"/>
+          </ac:spMkLst>
+        </pc:spChg>
+      </pc:sldChg>
+      <pc:sldChg chg="delSp modSp mod ord">
+        <pc:chgData name="vivekvardhanreddy1207@outlook.com" userId="2479389ccf14a5a5" providerId="LiveId" clId="{E5536F85-8F7C-4A98-81EF-BB698282D71E}" dt="2022-04-04T03:33:35.657" v="57" actId="21"/>
+        <pc:sldMkLst>
+          <pc:docMk/>
+          <pc:sldMk cId="264321116" sldId="274"/>
+        </pc:sldMkLst>
+        <pc:spChg chg="del mod">
+          <ac:chgData name="vivekvardhanreddy1207@outlook.com" userId="2479389ccf14a5a5" providerId="LiveId" clId="{E5536F85-8F7C-4A98-81EF-BB698282D71E}" dt="2022-04-04T03:33:35.657" v="57" actId="21"/>
+          <ac:spMkLst>
+            <pc:docMk/>
+            <pc:sldMk cId="264321116" sldId="274"/>
+            <ac:spMk id="4" creationId="{B2DA44B2-9677-470D-99C8-0EAAB7AC2F39}"/>
+          </ac:spMkLst>
+        </pc:spChg>
+      </pc:sldChg>
+      <pc:sldChg chg="delSp del mod">
+        <pc:chgData name="vivekvardhanreddy1207@outlook.com" userId="2479389ccf14a5a5" providerId="LiveId" clId="{E5536F85-8F7C-4A98-81EF-BB698282D71E}" dt="2022-04-04T03:33:41.479" v="58" actId="2696"/>
+        <pc:sldMkLst>
+          <pc:docMk/>
+          <pc:sldMk cId="3937696979" sldId="275"/>
+        </pc:sldMkLst>
+        <pc:picChg chg="del">
+          <ac:chgData name="vivekvardhanreddy1207@outlook.com" userId="2479389ccf14a5a5" providerId="LiveId" clId="{E5536F85-8F7C-4A98-81EF-BB698282D71E}" dt="2022-04-04T03:32:49.855" v="33" actId="21"/>
+          <ac:picMkLst>
+            <pc:docMk/>
+            <pc:sldMk cId="3937696979" sldId="275"/>
+            <ac:picMk id="3" creationId="{E69B809B-C016-44AC-9201-914634F6BB1A}"/>
+          </ac:picMkLst>
+        </pc:picChg>
+      </pc:sldChg>
+    </pc:docChg>
+  </pc:docChgLst>
+</pc:chgInfo>
 </file>
 
 <file path=ppt/slideLayouts/slideLayout1.xml><?xml version="1.0" encoding="utf-8"?>
@@ -591,7 +649,7 @@
           <a:p>
             <a:fld id="{DDA51639-B2D6-4652-B8C3-1B4C224A7BAF}" type="datetimeFigureOut">
               <a:rPr lang="en-US" dirty="0"/>
-              <a:t>3/3/2022</a:t>
+              <a:t>4/4/2022</a:t>
             </a:fld>
             <a:endParaRPr lang="en-US" dirty="0"/>
           </a:p>
@@ -789,7 +847,7 @@
           <a:p>
             <a:fld id="{D11A6AA8-A04B-4104-9AE2-BD48D340E27F}" type="datetimeFigureOut">
               <a:rPr lang="en-US" dirty="0"/>
-              <a:t>3/3/2022</a:t>
+              <a:t>4/4/2022</a:t>
             </a:fld>
             <a:endParaRPr lang="en-US" dirty="0"/>
           </a:p>
@@ -964,7 +1022,7 @@
           <a:p>
             <a:fld id="{B4E0BF79-FAC6-4A96-8DE1-F7B82E2E1652}" type="datetimeFigureOut">
               <a:rPr lang="en-US" dirty="0"/>
-              <a:t>3/3/2022</a:t>
+              <a:t>4/4/2022</a:t>
             </a:fld>
             <a:endParaRPr lang="en-US" dirty="0"/>
           </a:p>
@@ -1129,7 +1187,7 @@
           <a:p>
             <a:fld id="{82FF5DD9-2C52-442D-92E2-8072C0C3D7CD}" type="datetimeFigureOut">
               <a:rPr lang="en-US" dirty="0"/>
-              <a:t>3/3/2022</a:t>
+              <a:t>4/4/2022</a:t>
             </a:fld>
             <a:endParaRPr lang="en-US" dirty="0"/>
           </a:p>
@@ -1696,7 +1754,7 @@
           <a:p>
             <a:fld id="{C44961B7-6B89-48AB-966F-622E2788EECC}" type="datetimeFigureOut">
               <a:rPr lang="en-US" dirty="0"/>
-              <a:t>3/3/2022</a:t>
+              <a:t>4/4/2022</a:t>
             </a:fld>
             <a:endParaRPr lang="en-US" dirty="0"/>
           </a:p>
@@ -1993,7 +2051,7 @@
           <a:p>
             <a:fld id="{DBD3D6FB-79CC-4683-A046-BBE785BA1BED}" type="datetimeFigureOut">
               <a:rPr lang="en-US" dirty="0"/>
-              <a:t>3/3/2022</a:t>
+              <a:t>4/4/2022</a:t>
             </a:fld>
             <a:endParaRPr lang="en-US" dirty="0"/>
           </a:p>
@@ -2425,7 +2483,7 @@
           <a:p>
             <a:fld id="{9512B3E8-48F1-4B23-8498-D8A04A81EC9C}" type="datetimeFigureOut">
               <a:rPr lang="en-US" dirty="0"/>
-              <a:t>3/3/2022</a:t>
+              <a:t>4/4/2022</a:t>
             </a:fld>
             <a:endParaRPr lang="en-US" dirty="0"/>
           </a:p>
@@ -2538,7 +2596,7 @@
           <a:p>
             <a:fld id="{10B90D90-AA62-404D-A741-635B4370F9CB}" type="datetimeFigureOut">
               <a:rPr lang="en-US" dirty="0"/>
-              <a:t>3/3/2022</a:t>
+              <a:t>4/4/2022</a:t>
             </a:fld>
             <a:endParaRPr lang="en-US" dirty="0"/>
           </a:p>
@@ -2628,7 +2686,7 @@
           <a:p>
             <a:fld id="{A57002E4-6836-46D1-9DBB-3C27C0DD3A89}" type="datetimeFigureOut">
               <a:rPr lang="en-US" dirty="0"/>
-              <a:t>3/3/2022</a:t>
+              <a:t>4/4/2022</a:t>
             </a:fld>
             <a:endParaRPr lang="en-US" dirty="0"/>
           </a:p>
@@ -3005,7 +3063,7 @@
           <a:p>
             <a:fld id="{1CF131DD-A141-4471-BCF9-C6073EDD7E20}" type="datetimeFigureOut">
               <a:rPr lang="en-US" dirty="0"/>
-              <a:t>3/3/2022</a:t>
+              <a:t>4/4/2022</a:t>
             </a:fld>
             <a:endParaRPr lang="en-US" dirty="0"/>
           </a:p>
@@ -3395,7 +3453,7 @@
           <a:p>
             <a:fld id="{AB334A90-EB03-42F3-8859-2C2B2724C058}" type="datetimeFigureOut">
               <a:rPr lang="en-US" dirty="0"/>
-              <a:t>3/3/2022</a:t>
+              <a:t>4/4/2022</a:t>
             </a:fld>
             <a:endParaRPr lang="en-US" dirty="0"/>
           </a:p>
@@ -3704,7 +3762,7 @@
           <a:p>
             <a:fld id="{CBC48EC7-AF6A-48D3-8284-14BACBEBDD84}" type="datetimeFigureOut">
               <a:rPr lang="en-US" dirty="0"/>
-              <a:t>3/3/2022</a:t>
+              <a:t>4/4/2022</a:t>
             </a:fld>
             <a:endParaRPr lang="en-US" dirty="0"/>
           </a:p>
@@ -4441,9 +4499,10 @@
           <a:lstStyle/>
           <a:p>
             <a:r>
-              <a:rPr lang="en-IN" dirty="0"/>
-              <a:t>WORK IN PROGRESS</a:t>
-            </a:r>
+              <a:rPr lang="en-US" dirty="0"/>
+              <a:t>SOURCE CODE</a:t>
+            </a:r>
+            <a:endParaRPr lang="en-IN" dirty="0"/>
           </a:p>
         </p:txBody>
       </p:sp>
@@ -4512,6 +4571,66 @@
           <p:cNvPr id="3" name="Picture 2">
             <a:extLst>
               <a:ext uri="{FF2B5EF4-FFF2-40B4-BE49-F238E27FC236}">
+                <a16:creationId xmlns:a16="http://schemas.microsoft.com/office/drawing/2014/main" id="{EC919EA9-526A-4CAB-8CFF-B2F188FD7124}"/>
+              </a:ext>
+            </a:extLst>
+          </p:cNvPr>
+          <p:cNvPicPr>
+            <a:picLocks noChangeAspect="1"/>
+          </p:cNvPicPr>
+          <p:nvPr/>
+        </p:nvPicPr>
+        <p:blipFill>
+          <a:blip r:embed="rId2"/>
+          <a:stretch>
+            <a:fillRect/>
+          </a:stretch>
+        </p:blipFill>
+        <p:spPr>
+          <a:xfrm>
+            <a:off x="1356651" y="1280160"/>
+            <a:ext cx="9478698" cy="4682843"/>
+          </a:xfrm>
+          <a:prstGeom prst="rect">
+            <a:avLst/>
+          </a:prstGeom>
+        </p:spPr>
+      </p:pic>
+    </p:spTree>
+    <p:extLst>
+      <p:ext uri="{BB962C8B-B14F-4D97-AF65-F5344CB8AC3E}">
+        <p14:creationId xmlns:p14="http://schemas.microsoft.com/office/powerpoint/2010/main" val="264321116"/>
+      </p:ext>
+    </p:extLst>
+  </p:cSld>
+  <p:clrMapOvr>
+    <a:masterClrMapping/>
+  </p:clrMapOvr>
+</p:sld>
+</file>
+
+<file path=ppt/slides/slide12.xml><?xml version="1.0" encoding="utf-8"?>
+<p:sld xmlns:a="http://schemas.openxmlformats.org/drawingml/2006/main" xmlns:r="http://schemas.openxmlformats.org/officeDocument/2006/relationships" xmlns:p="http://schemas.openxmlformats.org/presentationml/2006/main">
+  <p:cSld>
+    <p:spTree>
+      <p:nvGrpSpPr>
+        <p:cNvPr id="1" name=""/>
+        <p:cNvGrpSpPr/>
+        <p:nvPr/>
+      </p:nvGrpSpPr>
+      <p:grpSpPr>
+        <a:xfrm>
+          <a:off x="0" y="0"/>
+          <a:ext cx="0" cy="0"/>
+          <a:chOff x="0" y="0"/>
+          <a:chExt cx="0" cy="0"/>
+        </a:xfrm>
+      </p:grpSpPr>
+      <p:pic>
+        <p:nvPicPr>
+          <p:cNvPr id="3" name="Picture 2">
+            <a:extLst>
+              <a:ext uri="{FF2B5EF4-FFF2-40B4-BE49-F238E27FC236}">
                 <a16:creationId xmlns:a16="http://schemas.microsoft.com/office/drawing/2014/main" id="{48AD8C0B-DD51-446C-B96E-11B83C48FFFD}"/>
               </a:ext>
             </a:extLst>
@@ -4550,7 +4669,7 @@
 </p:sld>
 </file>
 
-<file path=ppt/slides/slide12.xml><?xml version="1.0" encoding="utf-8"?>
+<file path=ppt/slides/slide13.xml><?xml version="1.0" encoding="utf-8"?>
 <p:sld xmlns:a="http://schemas.openxmlformats.org/drawingml/2006/main" xmlns:r="http://schemas.openxmlformats.org/officeDocument/2006/relationships" xmlns:p="http://schemas.openxmlformats.org/presentationml/2006/main">
   <p:cSld>
     <p:spTree>
@@ -4610,7 +4729,7 @@
 </p:sld>
 </file>
 
-<file path=ppt/slides/slide13.xml><?xml version="1.0" encoding="utf-8"?>
+<file path=ppt/slides/slide14.xml><?xml version="1.0" encoding="utf-8"?>
 <p:sld xmlns:a="http://schemas.openxmlformats.org/drawingml/2006/main" xmlns:r="http://schemas.openxmlformats.org/officeDocument/2006/relationships" xmlns:p="http://schemas.openxmlformats.org/presentationml/2006/main">
   <p:cSld>
     <p:spTree>
@@ -4670,99 +4789,6 @@
 </p:sld>
 </file>
 
-<file path=ppt/slides/slide14.xml><?xml version="1.0" encoding="utf-8"?>
-<p:sld xmlns:a="http://schemas.openxmlformats.org/drawingml/2006/main" xmlns:r="http://schemas.openxmlformats.org/officeDocument/2006/relationships" xmlns:p="http://schemas.openxmlformats.org/presentationml/2006/main">
-  <p:cSld>
-    <p:spTree>
-      <p:nvGrpSpPr>
-        <p:cNvPr id="1" name=""/>
-        <p:cNvGrpSpPr/>
-        <p:nvPr/>
-      </p:nvGrpSpPr>
-      <p:grpSpPr>
-        <a:xfrm>
-          <a:off x="0" y="0"/>
-          <a:ext cx="0" cy="0"/>
-          <a:chOff x="0" y="0"/>
-          <a:chExt cx="0" cy="0"/>
-        </a:xfrm>
-      </p:grpSpPr>
-      <p:pic>
-        <p:nvPicPr>
-          <p:cNvPr id="3" name="Picture 2">
-            <a:extLst>
-              <a:ext uri="{FF2B5EF4-FFF2-40B4-BE49-F238E27FC236}">
-                <a16:creationId xmlns:a16="http://schemas.microsoft.com/office/drawing/2014/main" id="{EC919EA9-526A-4CAB-8CFF-B2F188FD7124}"/>
-              </a:ext>
-            </a:extLst>
-          </p:cNvPr>
-          <p:cNvPicPr>
-            <a:picLocks noChangeAspect="1"/>
-          </p:cNvPicPr>
-          <p:nvPr/>
-        </p:nvPicPr>
-        <p:blipFill>
-          <a:blip r:embed="rId2"/>
-          <a:stretch>
-            <a:fillRect/>
-          </a:stretch>
-        </p:blipFill>
-        <p:spPr>
-          <a:xfrm>
-            <a:off x="1356651" y="1280160"/>
-            <a:ext cx="9478698" cy="4682843"/>
-          </a:xfrm>
-          <a:prstGeom prst="rect">
-            <a:avLst/>
-          </a:prstGeom>
-        </p:spPr>
-      </p:pic>
-      <p:sp>
-        <p:nvSpPr>
-          <p:cNvPr id="4" name="Title 3">
-            <a:extLst>
-              <a:ext uri="{FF2B5EF4-FFF2-40B4-BE49-F238E27FC236}">
-                <a16:creationId xmlns:a16="http://schemas.microsoft.com/office/drawing/2014/main" id="{B2DA44B2-9677-470D-99C8-0EAAB7AC2F39}"/>
-              </a:ext>
-            </a:extLst>
-          </p:cNvPr>
-          <p:cNvSpPr>
-            <a:spLocks noGrp="1"/>
-          </p:cNvSpPr>
-          <p:nvPr>
-            <p:ph type="title"/>
-          </p:nvPr>
-        </p:nvSpPr>
-        <p:spPr>
-          <a:xfrm>
-            <a:off x="198120" y="-312420"/>
-            <a:ext cx="10927080" cy="1821180"/>
-          </a:xfrm>
-        </p:spPr>
-        <p:txBody>
-          <a:bodyPr/>
-          <a:lstStyle/>
-          <a:p>
-            <a:r>
-              <a:rPr lang="en-IN" dirty="0"/>
-              <a:t>ALPHA TESTING</a:t>
-            </a:r>
-          </a:p>
-        </p:txBody>
-      </p:sp>
-    </p:spTree>
-    <p:extLst>
-      <p:ext uri="{BB962C8B-B14F-4D97-AF65-F5344CB8AC3E}">
-        <p14:creationId xmlns:p14="http://schemas.microsoft.com/office/powerpoint/2010/main" val="264321116"/>
-      </p:ext>
-    </p:extLst>
-  </p:cSld>
-  <p:clrMapOvr>
-    <a:masterClrMapping/>
-  </p:clrMapOvr>
-</p:sld>
-</file>
-
 <file path=ppt/slides/slide15.xml><?xml version="1.0" encoding="utf-8"?>
 <p:sld xmlns:a="http://schemas.openxmlformats.org/drawingml/2006/main" xmlns:r="http://schemas.openxmlformats.org/officeDocument/2006/relationships" xmlns:p="http://schemas.openxmlformats.org/presentationml/2006/main">
   <p:cSld>
@@ -4780,40 +4806,207 @@
           <a:chExt cx="0" cy="0"/>
         </a:xfrm>
       </p:grpSpPr>
-      <p:pic>
-        <p:nvPicPr>
-          <p:cNvPr id="3" name="Picture 2">
+      <p:sp>
+        <p:nvSpPr>
+          <p:cNvPr id="2" name="Title 1">
             <a:extLst>
               <a:ext uri="{FF2B5EF4-FFF2-40B4-BE49-F238E27FC236}">
-                <a16:creationId xmlns:a16="http://schemas.microsoft.com/office/drawing/2014/main" id="{E69B809B-C016-44AC-9201-914634F6BB1A}"/>
+                <a16:creationId xmlns:a16="http://schemas.microsoft.com/office/drawing/2014/main" id="{66BCE019-9C1F-4500-9558-193A93D12F1B}"/>
               </a:ext>
             </a:extLst>
           </p:cNvPr>
-          <p:cNvPicPr>
-            <a:picLocks noChangeAspect="1"/>
-          </p:cNvPicPr>
-          <p:nvPr/>
-        </p:nvPicPr>
-        <p:blipFill>
-          <a:blip r:embed="rId2"/>
-          <a:stretch>
-            <a:fillRect/>
-          </a:stretch>
-        </p:blipFill>
+          <p:cNvSpPr>
+            <a:spLocks noGrp="1"/>
+          </p:cNvSpPr>
+          <p:nvPr>
+            <p:ph type="title"/>
+          </p:nvPr>
+        </p:nvSpPr>
         <p:spPr>
           <a:xfrm>
-            <a:off x="452760" y="1133475"/>
-            <a:ext cx="11292397" cy="4591050"/>
+            <a:off x="1066800" y="642594"/>
+            <a:ext cx="10058400" cy="1257227"/>
           </a:xfrm>
-          <a:prstGeom prst="rect">
-            <a:avLst/>
-          </a:prstGeom>
         </p:spPr>
-      </p:pic>
+        <p:txBody>
+          <a:bodyPr>
+            <a:normAutofit fontScale="90000"/>
+          </a:bodyPr>
+          <a:lstStyle/>
+          <a:p>
+            <a:r>
+              <a:rPr lang="en-IN" dirty="0">
+                <a:effectLst/>
+                <a:latin typeface="Calibri" panose="020F0502020204030204" pitchFamily="34" charset="0"/>
+                <a:ea typeface="Calibri" panose="020F0502020204030204" pitchFamily="34" charset="0"/>
+                <a:cs typeface="Calibri" panose="020F0502020204030204" pitchFamily="34" charset="0"/>
+              </a:rPr>
+              <a:t>RESULT:</a:t>
+            </a:r>
+            <a:br>
+              <a:rPr lang="en-IN" sz="1800" dirty="0">
+                <a:effectLst/>
+                <a:latin typeface="Calibri" panose="020F0502020204030204" pitchFamily="34" charset="0"/>
+                <a:ea typeface="Calibri" panose="020F0502020204030204" pitchFamily="34" charset="0"/>
+                <a:cs typeface="Times New Roman" panose="02020603050405020304" pitchFamily="18" charset="0"/>
+              </a:rPr>
+            </a:br>
+            <a:endParaRPr lang="en-IN" dirty="0"/>
+          </a:p>
+        </p:txBody>
+      </p:sp>
+      <p:sp>
+        <p:nvSpPr>
+          <p:cNvPr id="3" name="Content Placeholder 2">
+            <a:extLst>
+              <a:ext uri="{FF2B5EF4-FFF2-40B4-BE49-F238E27FC236}">
+                <a16:creationId xmlns:a16="http://schemas.microsoft.com/office/drawing/2014/main" id="{7D1B06DC-36E4-4681-9EE8-1240BBA3A63F}"/>
+              </a:ext>
+            </a:extLst>
+          </p:cNvPr>
+          <p:cNvSpPr>
+            <a:spLocks noGrp="1"/>
+          </p:cNvSpPr>
+          <p:nvPr>
+            <p:ph idx="1"/>
+          </p:nvPr>
+        </p:nvSpPr>
+        <p:spPr>
+          <a:xfrm>
+            <a:off x="1066800" y="1463040"/>
+            <a:ext cx="10058400" cy="5106436"/>
+          </a:xfrm>
+        </p:spPr>
+        <p:txBody>
+          <a:bodyPr>
+            <a:normAutofit/>
+          </a:bodyPr>
+          <a:lstStyle/>
+          <a:p>
+            <a:pPr marL="342900" lvl="0" indent="-342900" algn="just">
+              <a:lnSpc>
+                <a:spcPct val="107000"/>
+              </a:lnSpc>
+              <a:buFont typeface="Symbol" panose="05050102010706020507" pitchFamily="18" charset="2"/>
+              <a:buChar char=""/>
+            </a:pPr>
+            <a:r>
+              <a:rPr lang="en-IN" sz="2600" dirty="0">
+                <a:effectLst/>
+                <a:latin typeface="Times New Roman" panose="02020603050405020304" pitchFamily="18" charset="0"/>
+                <a:ea typeface="Calibri" panose="020F0502020204030204" pitchFamily="34" charset="0"/>
+                <a:cs typeface="Times New Roman" panose="02020603050405020304" pitchFamily="18" charset="0"/>
+              </a:rPr>
+              <a:t>Thus, by following the above technique, we can convert a mp4 file into an mp3 file.</a:t>
+            </a:r>
+            <a:endParaRPr lang="en-IN" sz="2600" dirty="0">
+              <a:effectLst/>
+              <a:latin typeface="Calibri" panose="020F0502020204030204" pitchFamily="34" charset="0"/>
+              <a:ea typeface="Calibri" panose="020F0502020204030204" pitchFamily="34" charset="0"/>
+              <a:cs typeface="Times New Roman" panose="02020603050405020304" pitchFamily="18" charset="0"/>
+            </a:endParaRPr>
+          </a:p>
+          <a:p>
+            <a:pPr marL="342900" lvl="0" indent="-342900" algn="just">
+              <a:lnSpc>
+                <a:spcPct val="107000"/>
+              </a:lnSpc>
+              <a:spcAft>
+                <a:spcPts val="800"/>
+              </a:spcAft>
+              <a:buFont typeface="Symbol" panose="05050102010706020507" pitchFamily="18" charset="2"/>
+              <a:buChar char=""/>
+            </a:pPr>
+            <a:r>
+              <a:rPr lang="en-IN" sz="2600" dirty="0">
+                <a:effectLst/>
+                <a:latin typeface="Times New Roman" panose="02020603050405020304" pitchFamily="18" charset="0"/>
+                <a:ea typeface="Calibri" panose="020F0502020204030204" pitchFamily="34" charset="0"/>
+                <a:cs typeface="Times New Roman" panose="02020603050405020304" pitchFamily="18" charset="0"/>
+              </a:rPr>
+              <a:t>In the cases where we will need only the audio in the video files, we can use this technique to extract and save the audio file, which will help in saving the memory too.</a:t>
+            </a:r>
+          </a:p>
+          <a:p>
+            <a:pPr marL="342900" lvl="0" indent="-342900" algn="just">
+              <a:lnSpc>
+                <a:spcPct val="107000"/>
+              </a:lnSpc>
+              <a:spcAft>
+                <a:spcPts val="800"/>
+              </a:spcAft>
+              <a:buFont typeface="Symbol" panose="05050102010706020507" pitchFamily="18" charset="2"/>
+              <a:buChar char=""/>
+            </a:pPr>
+            <a:r>
+              <a:rPr lang="en-IN" sz="2600" dirty="0">
+                <a:latin typeface="Times New Roman" panose="02020603050405020304" pitchFamily="18" charset="0"/>
+                <a:ea typeface="Calibri" panose="020F0502020204030204" pitchFamily="34" charset="0"/>
+                <a:cs typeface="Times New Roman" panose="02020603050405020304" pitchFamily="18" charset="0"/>
+              </a:rPr>
+              <a:t>We have developed a code for controlling the speed of the output speech, which will make it easy for people to understand.</a:t>
+            </a:r>
+          </a:p>
+          <a:p>
+            <a:pPr marL="342900" lvl="0" indent="-342900" algn="just">
+              <a:lnSpc>
+                <a:spcPct val="107000"/>
+              </a:lnSpc>
+              <a:spcAft>
+                <a:spcPts val="800"/>
+              </a:spcAft>
+              <a:buFont typeface="Symbol" panose="05050102010706020507" pitchFamily="18" charset="2"/>
+              <a:buChar char=""/>
+            </a:pPr>
+            <a:r>
+              <a:rPr lang="en-IN" sz="2600" dirty="0">
+                <a:effectLst/>
+                <a:latin typeface="Times New Roman" panose="02020603050405020304" pitchFamily="18" charset="0"/>
+                <a:ea typeface="Calibri" panose="020F0502020204030204" pitchFamily="34" charset="0"/>
+                <a:cs typeface="Times New Roman" panose="02020603050405020304" pitchFamily="18" charset="0"/>
+              </a:rPr>
+              <a:t>Here, the user will have t</a:t>
+            </a:r>
+            <a:r>
+              <a:rPr lang="en-IN" sz="2600" dirty="0">
+                <a:latin typeface="Times New Roman" panose="02020603050405020304" pitchFamily="18" charset="0"/>
+                <a:ea typeface="Calibri" panose="020F0502020204030204" pitchFamily="34" charset="0"/>
+                <a:cs typeface="Times New Roman" panose="02020603050405020304" pitchFamily="18" charset="0"/>
+              </a:rPr>
+              <a:t>he comfort of selecting his desired </a:t>
+            </a:r>
+            <a:r>
+              <a:rPr lang="en-IN" sz="2600" dirty="0" err="1">
+                <a:latin typeface="Times New Roman" panose="02020603050405020304" pitchFamily="18" charset="0"/>
+                <a:ea typeface="Calibri" panose="020F0502020204030204" pitchFamily="34" charset="0"/>
+                <a:cs typeface="Times New Roman" panose="02020603050405020304" pitchFamily="18" charset="0"/>
+              </a:rPr>
+              <a:t>vedio</a:t>
+            </a:r>
+            <a:r>
+              <a:rPr lang="en-IN" sz="2600" dirty="0">
+                <a:latin typeface="Times New Roman" panose="02020603050405020304" pitchFamily="18" charset="0"/>
+                <a:ea typeface="Calibri" panose="020F0502020204030204" pitchFamily="34" charset="0"/>
+                <a:cs typeface="Times New Roman" panose="02020603050405020304" pitchFamily="18" charset="0"/>
+              </a:rPr>
+              <a:t>, and can convert it into audio form.</a:t>
+            </a:r>
+            <a:endParaRPr lang="en-IN" sz="2600" dirty="0">
+              <a:effectLst/>
+              <a:latin typeface="Calibri" panose="020F0502020204030204" pitchFamily="34" charset="0"/>
+              <a:ea typeface="Calibri" panose="020F0502020204030204" pitchFamily="34" charset="0"/>
+              <a:cs typeface="Times New Roman" panose="02020603050405020304" pitchFamily="18" charset="0"/>
+            </a:endParaRPr>
+          </a:p>
+          <a:p>
+            <a:endParaRPr lang="en-IN" sz="2600" dirty="0"/>
+          </a:p>
+        </p:txBody>
+      </p:sp>
     </p:spTree>
     <p:extLst>
       <p:ext uri="{BB962C8B-B14F-4D97-AF65-F5344CB8AC3E}">
-        <p14:creationId xmlns:p14="http://schemas.microsoft.com/office/powerpoint/2010/main" val="3937696979"/>
+        <p14:creationId xmlns:p14="http://schemas.microsoft.com/office/powerpoint/2010/main" val="154401017"/>
       </p:ext>
     </p:extLst>
   </p:cSld>
@@ -4845,233 +5038,6 @@
           <p:cNvPr id="2" name="Title 1">
             <a:extLst>
               <a:ext uri="{FF2B5EF4-FFF2-40B4-BE49-F238E27FC236}">
-                <a16:creationId xmlns:a16="http://schemas.microsoft.com/office/drawing/2014/main" id="{66BCE019-9C1F-4500-9558-193A93D12F1B}"/>
-              </a:ext>
-            </a:extLst>
-          </p:cNvPr>
-          <p:cNvSpPr>
-            <a:spLocks noGrp="1"/>
-          </p:cNvSpPr>
-          <p:nvPr>
-            <p:ph type="title"/>
-          </p:nvPr>
-        </p:nvSpPr>
-        <p:spPr>
-          <a:xfrm>
-            <a:off x="1066800" y="642594"/>
-            <a:ext cx="10058400" cy="1257227"/>
-          </a:xfrm>
-        </p:spPr>
-        <p:txBody>
-          <a:bodyPr>
-            <a:normAutofit fontScale="90000"/>
-          </a:bodyPr>
-          <a:lstStyle/>
-          <a:p>
-            <a:r>
-              <a:rPr lang="en-IN" dirty="0">
-                <a:effectLst/>
-                <a:latin typeface="Calibri" panose="020F0502020204030204" pitchFamily="34" charset="0"/>
-                <a:ea typeface="Calibri" panose="020F0502020204030204" pitchFamily="34" charset="0"/>
-                <a:cs typeface="Calibri" panose="020F0502020204030204" pitchFamily="34" charset="0"/>
-              </a:rPr>
-              <a:t>RESULT:</a:t>
-            </a:r>
-            <a:br>
-              <a:rPr lang="en-IN" sz="1800" dirty="0">
-                <a:effectLst/>
-                <a:latin typeface="Calibri" panose="020F0502020204030204" pitchFamily="34" charset="0"/>
-                <a:ea typeface="Calibri" panose="020F0502020204030204" pitchFamily="34" charset="0"/>
-                <a:cs typeface="Times New Roman" panose="02020603050405020304" pitchFamily="18" charset="0"/>
-              </a:rPr>
-            </a:br>
-            <a:endParaRPr lang="en-IN" dirty="0"/>
-          </a:p>
-        </p:txBody>
-      </p:sp>
-      <p:sp>
-        <p:nvSpPr>
-          <p:cNvPr id="3" name="Content Placeholder 2">
-            <a:extLst>
-              <a:ext uri="{FF2B5EF4-FFF2-40B4-BE49-F238E27FC236}">
-                <a16:creationId xmlns:a16="http://schemas.microsoft.com/office/drawing/2014/main" id="{7D1B06DC-36E4-4681-9EE8-1240BBA3A63F}"/>
-              </a:ext>
-            </a:extLst>
-          </p:cNvPr>
-          <p:cNvSpPr>
-            <a:spLocks noGrp="1"/>
-          </p:cNvSpPr>
-          <p:nvPr>
-            <p:ph idx="1"/>
-          </p:nvPr>
-        </p:nvSpPr>
-        <p:spPr>
-          <a:xfrm>
-            <a:off x="1066800" y="1463040"/>
-            <a:ext cx="10058400" cy="5106436"/>
-          </a:xfrm>
-        </p:spPr>
-        <p:txBody>
-          <a:bodyPr>
-            <a:normAutofit/>
-          </a:bodyPr>
-          <a:lstStyle/>
-          <a:p>
-            <a:pPr marL="342900" lvl="0" indent="-342900" algn="just">
-              <a:lnSpc>
-                <a:spcPct val="107000"/>
-              </a:lnSpc>
-              <a:buFont typeface="Symbol" panose="05050102010706020507" pitchFamily="18" charset="2"/>
-              <a:buChar char=""/>
-            </a:pPr>
-            <a:r>
-              <a:rPr lang="en-IN" sz="2600" dirty="0">
-                <a:effectLst/>
-                <a:latin typeface="Times New Roman" panose="02020603050405020304" pitchFamily="18" charset="0"/>
-                <a:ea typeface="Calibri" panose="020F0502020204030204" pitchFamily="34" charset="0"/>
-                <a:cs typeface="Times New Roman" panose="02020603050405020304" pitchFamily="18" charset="0"/>
-              </a:rPr>
-              <a:t>Thus, by following the above technique, we can convert a mp4 file into an mp3 file.</a:t>
-            </a:r>
-            <a:endParaRPr lang="en-IN" sz="2600" dirty="0">
-              <a:effectLst/>
-              <a:latin typeface="Calibri" panose="020F0502020204030204" pitchFamily="34" charset="0"/>
-              <a:ea typeface="Calibri" panose="020F0502020204030204" pitchFamily="34" charset="0"/>
-              <a:cs typeface="Times New Roman" panose="02020603050405020304" pitchFamily="18" charset="0"/>
-            </a:endParaRPr>
-          </a:p>
-          <a:p>
-            <a:pPr marL="342900" lvl="0" indent="-342900" algn="just">
-              <a:lnSpc>
-                <a:spcPct val="107000"/>
-              </a:lnSpc>
-              <a:spcAft>
-                <a:spcPts val="800"/>
-              </a:spcAft>
-              <a:buFont typeface="Symbol" panose="05050102010706020507" pitchFamily="18" charset="2"/>
-              <a:buChar char=""/>
-            </a:pPr>
-            <a:r>
-              <a:rPr lang="en-IN" sz="2600" dirty="0">
-                <a:effectLst/>
-                <a:latin typeface="Times New Roman" panose="02020603050405020304" pitchFamily="18" charset="0"/>
-                <a:ea typeface="Calibri" panose="020F0502020204030204" pitchFamily="34" charset="0"/>
-                <a:cs typeface="Times New Roman" panose="02020603050405020304" pitchFamily="18" charset="0"/>
-              </a:rPr>
-              <a:t>In the cases where we will need only the audio in the video files, we can use this technique to extract and save the audio file, which will help in saving the memory too.</a:t>
-            </a:r>
-          </a:p>
-          <a:p>
-            <a:pPr marL="342900" lvl="0" indent="-342900" algn="just">
-              <a:lnSpc>
-                <a:spcPct val="107000"/>
-              </a:lnSpc>
-              <a:spcAft>
-                <a:spcPts val="800"/>
-              </a:spcAft>
-              <a:buFont typeface="Symbol" panose="05050102010706020507" pitchFamily="18" charset="2"/>
-              <a:buChar char=""/>
-            </a:pPr>
-            <a:r>
-              <a:rPr lang="en-IN" sz="2600" dirty="0">
-                <a:latin typeface="Times New Roman" panose="02020603050405020304" pitchFamily="18" charset="0"/>
-                <a:ea typeface="Calibri" panose="020F0502020204030204" pitchFamily="34" charset="0"/>
-                <a:cs typeface="Times New Roman" panose="02020603050405020304" pitchFamily="18" charset="0"/>
-              </a:rPr>
-              <a:t>We have developed a code for controlling the speed of the output speech, which will make it easy for people to understand.</a:t>
-            </a:r>
-          </a:p>
-          <a:p>
-            <a:pPr marL="342900" lvl="0" indent="-342900" algn="just">
-              <a:lnSpc>
-                <a:spcPct val="107000"/>
-              </a:lnSpc>
-              <a:spcAft>
-                <a:spcPts val="800"/>
-              </a:spcAft>
-              <a:buFont typeface="Symbol" panose="05050102010706020507" pitchFamily="18" charset="2"/>
-              <a:buChar char=""/>
-            </a:pPr>
-            <a:r>
-              <a:rPr lang="en-IN" sz="2600" dirty="0">
-                <a:effectLst/>
-                <a:latin typeface="Times New Roman" panose="02020603050405020304" pitchFamily="18" charset="0"/>
-                <a:ea typeface="Calibri" panose="020F0502020204030204" pitchFamily="34" charset="0"/>
-                <a:cs typeface="Times New Roman" panose="02020603050405020304" pitchFamily="18" charset="0"/>
-              </a:rPr>
-              <a:t>Here, the user will have t</a:t>
-            </a:r>
-            <a:r>
-              <a:rPr lang="en-IN" sz="2600" dirty="0">
-                <a:latin typeface="Times New Roman" panose="02020603050405020304" pitchFamily="18" charset="0"/>
-                <a:ea typeface="Calibri" panose="020F0502020204030204" pitchFamily="34" charset="0"/>
-                <a:cs typeface="Times New Roman" panose="02020603050405020304" pitchFamily="18" charset="0"/>
-              </a:rPr>
-              <a:t>he comfort of selecting his desired </a:t>
-            </a:r>
-            <a:r>
-              <a:rPr lang="en-IN" sz="2600" dirty="0" err="1">
-                <a:latin typeface="Times New Roman" panose="02020603050405020304" pitchFamily="18" charset="0"/>
-                <a:ea typeface="Calibri" panose="020F0502020204030204" pitchFamily="34" charset="0"/>
-                <a:cs typeface="Times New Roman" panose="02020603050405020304" pitchFamily="18" charset="0"/>
-              </a:rPr>
-              <a:t>vedio</a:t>
-            </a:r>
-            <a:r>
-              <a:rPr lang="en-IN" sz="2600" dirty="0">
-                <a:latin typeface="Times New Roman" panose="02020603050405020304" pitchFamily="18" charset="0"/>
-                <a:ea typeface="Calibri" panose="020F0502020204030204" pitchFamily="34" charset="0"/>
-                <a:cs typeface="Times New Roman" panose="02020603050405020304" pitchFamily="18" charset="0"/>
-              </a:rPr>
-              <a:t>, and can convert it into audio form.</a:t>
-            </a:r>
-            <a:endParaRPr lang="en-IN" sz="2600" dirty="0">
-              <a:effectLst/>
-              <a:latin typeface="Calibri" panose="020F0502020204030204" pitchFamily="34" charset="0"/>
-              <a:ea typeface="Calibri" panose="020F0502020204030204" pitchFamily="34" charset="0"/>
-              <a:cs typeface="Times New Roman" panose="02020603050405020304" pitchFamily="18" charset="0"/>
-            </a:endParaRPr>
-          </a:p>
-          <a:p>
-            <a:endParaRPr lang="en-IN" sz="2600" dirty="0"/>
-          </a:p>
-        </p:txBody>
-      </p:sp>
-    </p:spTree>
-    <p:extLst>
-      <p:ext uri="{BB962C8B-B14F-4D97-AF65-F5344CB8AC3E}">
-        <p14:creationId xmlns:p14="http://schemas.microsoft.com/office/powerpoint/2010/main" val="154401017"/>
-      </p:ext>
-    </p:extLst>
-  </p:cSld>
-  <p:clrMapOvr>
-    <a:masterClrMapping/>
-  </p:clrMapOvr>
-</p:sld>
-</file>
-
-<file path=ppt/slides/slide17.xml><?xml version="1.0" encoding="utf-8"?>
-<p:sld xmlns:a="http://schemas.openxmlformats.org/drawingml/2006/main" xmlns:r="http://schemas.openxmlformats.org/officeDocument/2006/relationships" xmlns:p="http://schemas.openxmlformats.org/presentationml/2006/main">
-  <p:cSld>
-    <p:spTree>
-      <p:nvGrpSpPr>
-        <p:cNvPr id="1" name=""/>
-        <p:cNvGrpSpPr/>
-        <p:nvPr/>
-      </p:nvGrpSpPr>
-      <p:grpSpPr>
-        <a:xfrm>
-          <a:off x="0" y="0"/>
-          <a:ext cx="0" cy="0"/>
-          <a:chOff x="0" y="0"/>
-          <a:chExt cx="0" cy="0"/>
-        </a:xfrm>
-      </p:grpSpPr>
-      <p:sp>
-        <p:nvSpPr>
-          <p:cNvPr id="2" name="Title 1">
-            <a:extLst>
-              <a:ext uri="{FF2B5EF4-FFF2-40B4-BE49-F238E27FC236}">
                 <a16:creationId xmlns:a16="http://schemas.microsoft.com/office/drawing/2014/main" id="{978CF046-2DDA-47A1-8804-7043454892C6}"/>
               </a:ext>
             </a:extLst>
@@ -5252,7 +5218,7 @@
 </p:sld>
 </file>
 
-<file path=ppt/slides/slide18.xml><?xml version="1.0" encoding="utf-8"?>
+<file path=ppt/slides/slide17.xml><?xml version="1.0" encoding="utf-8"?>
 <p:sld xmlns:a="http://schemas.openxmlformats.org/drawingml/2006/main" xmlns:r="http://schemas.openxmlformats.org/officeDocument/2006/relationships" xmlns:p="http://schemas.openxmlformats.org/presentationml/2006/main">
   <p:cSld>
     <p:spTree>
